--- a/Презентация.pptx
+++ b/Презентация.pptx
@@ -8,7 +8,8 @@
     <p:sldId id="257" r:id="rId2"/>
     <p:sldId id="258" r:id="rId3"/>
     <p:sldId id="259" r:id="rId4"/>
-    <p:sldId id="260" r:id="rId5"/>
+    <p:sldId id="261" r:id="rId5"/>
+    <p:sldId id="260" r:id="rId6"/>
   </p:sldIdLst>
   <p:sldSz cx="12192000" cy="6858000"/>
   <p:notesSz cx="6858000" cy="9144000"/>
@@ -107,6 +108,11 @@
       </a:defRPr>
     </a:lvl9pPr>
   </p:defaultTextStyle>
+  <p:extLst>
+    <p:ext uri="{EFAFB233-063F-42B5-8137-9DF3F51BA10A}">
+      <p15:sldGuideLst xmlns:p15="http://schemas.microsoft.com/office/powerpoint/2012/main"/>
+    </p:ext>
+  </p:extLst>
 </p:presentation>
 </file>
 
@@ -241,7 +247,7 @@
           <a:p>
             <a:fld id="{CD3359FC-4C53-467B-811F-F4AB7B7945E2}" type="datetimeFigureOut">
               <a:rPr lang="ru-RU" smtClean="0"/>
-              <a:t>26.01.2022</a:t>
+              <a:t>29.01.2022</a:t>
             </a:fld>
             <a:endParaRPr lang="ru-RU"/>
           </a:p>
@@ -411,7 +417,7 @@
           <a:p>
             <a:fld id="{CD3359FC-4C53-467B-811F-F4AB7B7945E2}" type="datetimeFigureOut">
               <a:rPr lang="ru-RU" smtClean="0"/>
-              <a:t>26.01.2022</a:t>
+              <a:t>29.01.2022</a:t>
             </a:fld>
             <a:endParaRPr lang="ru-RU"/>
           </a:p>
@@ -591,7 +597,7 @@
           <a:p>
             <a:fld id="{CD3359FC-4C53-467B-811F-F4AB7B7945E2}" type="datetimeFigureOut">
               <a:rPr lang="ru-RU" smtClean="0"/>
-              <a:t>26.01.2022</a:t>
+              <a:t>29.01.2022</a:t>
             </a:fld>
             <a:endParaRPr lang="ru-RU"/>
           </a:p>
@@ -761,7 +767,7 @@
           <a:p>
             <a:fld id="{CD3359FC-4C53-467B-811F-F4AB7B7945E2}" type="datetimeFigureOut">
               <a:rPr lang="ru-RU" smtClean="0"/>
-              <a:t>26.01.2022</a:t>
+              <a:t>29.01.2022</a:t>
             </a:fld>
             <a:endParaRPr lang="ru-RU"/>
           </a:p>
@@ -1007,7 +1013,7 @@
           <a:p>
             <a:fld id="{CD3359FC-4C53-467B-811F-F4AB7B7945E2}" type="datetimeFigureOut">
               <a:rPr lang="ru-RU" smtClean="0"/>
-              <a:t>26.01.2022</a:t>
+              <a:t>29.01.2022</a:t>
             </a:fld>
             <a:endParaRPr lang="ru-RU"/>
           </a:p>
@@ -1239,7 +1245,7 @@
           <a:p>
             <a:fld id="{CD3359FC-4C53-467B-811F-F4AB7B7945E2}" type="datetimeFigureOut">
               <a:rPr lang="ru-RU" smtClean="0"/>
-              <a:t>26.01.2022</a:t>
+              <a:t>29.01.2022</a:t>
             </a:fld>
             <a:endParaRPr lang="ru-RU"/>
           </a:p>
@@ -1606,7 +1612,7 @@
           <a:p>
             <a:fld id="{CD3359FC-4C53-467B-811F-F4AB7B7945E2}" type="datetimeFigureOut">
               <a:rPr lang="ru-RU" smtClean="0"/>
-              <a:t>26.01.2022</a:t>
+              <a:t>29.01.2022</a:t>
             </a:fld>
             <a:endParaRPr lang="ru-RU"/>
           </a:p>
@@ -1724,7 +1730,7 @@
           <a:p>
             <a:fld id="{CD3359FC-4C53-467B-811F-F4AB7B7945E2}" type="datetimeFigureOut">
               <a:rPr lang="ru-RU" smtClean="0"/>
-              <a:t>26.01.2022</a:t>
+              <a:t>29.01.2022</a:t>
             </a:fld>
             <a:endParaRPr lang="ru-RU"/>
           </a:p>
@@ -1819,7 +1825,7 @@
           <a:p>
             <a:fld id="{CD3359FC-4C53-467B-811F-F4AB7B7945E2}" type="datetimeFigureOut">
               <a:rPr lang="ru-RU" smtClean="0"/>
-              <a:t>26.01.2022</a:t>
+              <a:t>29.01.2022</a:t>
             </a:fld>
             <a:endParaRPr lang="ru-RU"/>
           </a:p>
@@ -2096,7 +2102,7 @@
           <a:p>
             <a:fld id="{CD3359FC-4C53-467B-811F-F4AB7B7945E2}" type="datetimeFigureOut">
               <a:rPr lang="ru-RU" smtClean="0"/>
-              <a:t>26.01.2022</a:t>
+              <a:t>29.01.2022</a:t>
             </a:fld>
             <a:endParaRPr lang="ru-RU"/>
           </a:p>
@@ -2349,7 +2355,7 @@
           <a:p>
             <a:fld id="{CD3359FC-4C53-467B-811F-F4AB7B7945E2}" type="datetimeFigureOut">
               <a:rPr lang="ru-RU" smtClean="0"/>
-              <a:t>26.01.2022</a:t>
+              <a:t>29.01.2022</a:t>
             </a:fld>
             <a:endParaRPr lang="ru-RU"/>
           </a:p>
@@ -2562,7 +2568,7 @@
           <a:p>
             <a:fld id="{CD3359FC-4C53-467B-811F-F4AB7B7945E2}" type="datetimeFigureOut">
               <a:rPr lang="ru-RU" smtClean="0"/>
-              <a:t>26.01.2022</a:t>
+              <a:t>29.01.2022</a:t>
             </a:fld>
             <a:endParaRPr lang="ru-RU"/>
           </a:p>
@@ -3559,7 +3565,7 @@
         <p:spPr>
           <a:xfrm>
             <a:off x="390524" y="1683027"/>
-            <a:ext cx="11410950" cy="1477328"/>
+            <a:ext cx="11410950" cy="1754326"/>
           </a:xfrm>
           <a:prstGeom prst="rect">
             <a:avLst/>
@@ -3573,7 +3579,19 @@
           <a:p>
             <a:r>
               <a:rPr lang="ru-RU" dirty="0" smtClean="0"/>
-              <a:t>«Защита замка» это игра в жанре </a:t>
+              <a:t>«</a:t>
+            </a:r>
+            <a:r>
+              <a:rPr lang="en-US" dirty="0" smtClean="0"/>
+              <a:t>Castle defense</a:t>
+            </a:r>
+            <a:r>
+              <a:rPr lang="ru-RU" dirty="0" smtClean="0"/>
+              <a:t>» </a:t>
+            </a:r>
+            <a:r>
+              <a:rPr lang="ru-RU" dirty="0" smtClean="0"/>
+              <a:t>это игра в жанре </a:t>
             </a:r>
             <a:r>
               <a:rPr lang="en-US" dirty="0" smtClean="0"/>
@@ -3581,9 +3599,60 @@
             </a:r>
             <a:r>
               <a:rPr lang="ru-RU" dirty="0" smtClean="0"/>
-              <a:t>, с различными уровнями и достижениями. В игре присутствуют 5 уровней различной сложности, 3 вида башен и врагов. Враги идут волнами, с каждой волной они быстрее появляются и их количество увеличивается. При прохождении уровня игроку будет предоставлено окно с его статистикой. Помимо этого игрок может посмотреть общую статистику и достижения в главном меню. Также в любой момент пользователь может поставить игру на паузу.</a:t>
-            </a:r>
-            <a:endParaRPr lang="ru-RU" dirty="0"/>
+              <a:t>, с различными уровнями и достижениями</a:t>
+            </a:r>
+            <a:r>
+              <a:rPr lang="ru-RU" dirty="0"/>
+              <a:t>. </a:t>
+            </a:r>
+            <a:r>
+              <a:rPr lang="ru-RU" dirty="0" smtClean="0"/>
+              <a:t>«Злые </a:t>
+            </a:r>
+            <a:r>
+              <a:rPr lang="ru-RU" dirty="0"/>
+              <a:t>монстры напали на </a:t>
+            </a:r>
+            <a:r>
+              <a:rPr lang="ru-RU" dirty="0" smtClean="0"/>
+              <a:t>замок. </a:t>
+            </a:r>
+            <a:r>
+              <a:rPr lang="ru-RU" dirty="0"/>
+              <a:t>Ваша задача не дать им проникнуть внутрь</a:t>
+            </a:r>
+            <a:r>
+              <a:rPr lang="ru-RU" dirty="0" smtClean="0"/>
+              <a:t>.»</a:t>
+            </a:r>
+            <a:r>
+              <a:rPr lang="ru-RU" dirty="0" smtClean="0"/>
+              <a:t> </a:t>
+            </a:r>
+            <a:r>
+              <a:rPr lang="ru-RU" dirty="0" smtClean="0"/>
+              <a:t>В игре присутствуют 5 уровней различной сложности, 3 вида башен и </a:t>
+            </a:r>
+            <a:r>
+              <a:rPr lang="ru-RU" dirty="0" smtClean="0"/>
+              <a:t> 5 видов врагов</a:t>
+            </a:r>
+            <a:r>
+              <a:rPr lang="ru-RU" dirty="0" smtClean="0"/>
+              <a:t>. Враги идут волнами, с каждой волной они быстрее появляются и их количество увеличивается. При прохождении уровня игроку будет предоставлено окно с его статистикой. Помимо этого игрок может </a:t>
+            </a:r>
+            <a:r>
+              <a:rPr lang="ru-RU" dirty="0" smtClean="0"/>
+              <a:t>посмотреть свои достижения </a:t>
+            </a:r>
+            <a:r>
+              <a:rPr lang="ru-RU" dirty="0" smtClean="0"/>
+              <a:t>в главном меню. Также в любой момент пользователь может поставить игру на паузу</a:t>
+            </a:r>
+            <a:r>
+              <a:rPr lang="ru-RU" dirty="0" smtClean="0"/>
+              <a:t>.</a:t>
+            </a:r>
           </a:p>
         </p:txBody>
       </p:sp>
@@ -3820,7 +3889,7 @@
         </p:blipFill>
         <p:spPr bwMode="auto">
           <a:xfrm>
-            <a:off x="0" y="1"/>
+            <a:off x="2" y="-16729"/>
             <a:ext cx="12191998" cy="6857999"/>
           </a:xfrm>
           <a:prstGeom prst="rect">
@@ -3876,8 +3945,8 @@
         </p:nvSpPr>
         <p:spPr>
           <a:xfrm>
-            <a:off x="390524" y="1683027"/>
-            <a:ext cx="11410950" cy="369332"/>
+            <a:off x="171450" y="1683027"/>
+            <a:ext cx="3133725" cy="2862322"/>
           </a:xfrm>
           <a:prstGeom prst="rect">
             <a:avLst/>
@@ -3890,8 +3959,311 @@
           <a:lstStyle/>
           <a:p>
             <a:r>
-              <a:rPr lang="ru-RU" dirty="0" smtClean="0"/>
-              <a:t>Пока пусто</a:t>
+              <a:rPr lang="en-US" dirty="0" err="1">
+                <a:latin typeface="Arial" panose="020B0604020202020204" pitchFamily="34" charset="0"/>
+                <a:cs typeface="Arial" panose="020B0604020202020204" pitchFamily="34" charset="0"/>
+              </a:rPr>
+              <a:t>altgraph</a:t>
+            </a:r>
+            <a:r>
+              <a:rPr lang="en-US" dirty="0">
+                <a:latin typeface="Arial" panose="020B0604020202020204" pitchFamily="34" charset="0"/>
+                <a:cs typeface="Arial" panose="020B0604020202020204" pitchFamily="34" charset="0"/>
+              </a:rPr>
+              <a:t>==0.17.2</a:t>
+            </a:r>
+          </a:p>
+          <a:p>
+            <a:r>
+              <a:rPr lang="en-US" dirty="0" err="1">
+                <a:latin typeface="Arial" panose="020B0604020202020204" pitchFamily="34" charset="0"/>
+                <a:cs typeface="Arial" panose="020B0604020202020204" pitchFamily="34" charset="0"/>
+              </a:rPr>
+              <a:t>certifi</a:t>
+            </a:r>
+            <a:r>
+              <a:rPr lang="en-US" dirty="0">
+                <a:latin typeface="Arial" panose="020B0604020202020204" pitchFamily="34" charset="0"/>
+                <a:cs typeface="Arial" panose="020B0604020202020204" pitchFamily="34" charset="0"/>
+              </a:rPr>
+              <a:t>==2021.10.8</a:t>
+            </a:r>
+          </a:p>
+          <a:p>
+            <a:r>
+              <a:rPr lang="en-US" dirty="0">
+                <a:latin typeface="Arial" panose="020B0604020202020204" pitchFamily="34" charset="0"/>
+                <a:cs typeface="Arial" panose="020B0604020202020204" pitchFamily="34" charset="0"/>
+              </a:rPr>
+              <a:t>charset-normalizer==2.0.7</a:t>
+            </a:r>
+          </a:p>
+          <a:p>
+            <a:r>
+              <a:rPr lang="en-US" dirty="0">
+                <a:latin typeface="Arial" panose="020B0604020202020204" pitchFamily="34" charset="0"/>
+                <a:cs typeface="Arial" panose="020B0604020202020204" pitchFamily="34" charset="0"/>
+              </a:rPr>
+              <a:t>click==7.1.2</a:t>
+            </a:r>
+          </a:p>
+          <a:p>
+            <a:r>
+              <a:rPr lang="en-US" dirty="0" err="1">
+                <a:latin typeface="Arial" panose="020B0604020202020204" pitchFamily="34" charset="0"/>
+                <a:cs typeface="Arial" panose="020B0604020202020204" pitchFamily="34" charset="0"/>
+              </a:rPr>
+              <a:t>colorama</a:t>
+            </a:r>
+            <a:r>
+              <a:rPr lang="en-US" dirty="0">
+                <a:latin typeface="Arial" panose="020B0604020202020204" pitchFamily="34" charset="0"/>
+                <a:cs typeface="Arial" panose="020B0604020202020204" pitchFamily="34" charset="0"/>
+              </a:rPr>
+              <a:t>==0.4.4</a:t>
+            </a:r>
+          </a:p>
+          <a:p>
+            <a:r>
+              <a:rPr lang="en-US" dirty="0" err="1">
+                <a:latin typeface="Arial" panose="020B0604020202020204" pitchFamily="34" charset="0"/>
+                <a:cs typeface="Arial" panose="020B0604020202020204" pitchFamily="34" charset="0"/>
+              </a:rPr>
+              <a:t>docopt</a:t>
+            </a:r>
+            <a:r>
+              <a:rPr lang="en-US" dirty="0">
+                <a:latin typeface="Arial" panose="020B0604020202020204" pitchFamily="34" charset="0"/>
+                <a:cs typeface="Arial" panose="020B0604020202020204" pitchFamily="34" charset="0"/>
+              </a:rPr>
+              <a:t>==0.6.2</a:t>
+            </a:r>
+          </a:p>
+          <a:p>
+            <a:r>
+              <a:rPr lang="en-US" dirty="0">
+                <a:latin typeface="Arial" panose="020B0604020202020204" pitchFamily="34" charset="0"/>
+                <a:cs typeface="Arial" panose="020B0604020202020204" pitchFamily="34" charset="0"/>
+              </a:rPr>
+              <a:t>future==0.18.2</a:t>
+            </a:r>
+          </a:p>
+          <a:p>
+            <a:r>
+              <a:rPr lang="en-US" dirty="0" err="1">
+                <a:latin typeface="Arial" panose="020B0604020202020204" pitchFamily="34" charset="0"/>
+                <a:cs typeface="Arial" panose="020B0604020202020204" pitchFamily="34" charset="0"/>
+              </a:rPr>
+              <a:t>idna</a:t>
+            </a:r>
+            <a:r>
+              <a:rPr lang="en-US" dirty="0">
+                <a:latin typeface="Arial" panose="020B0604020202020204" pitchFamily="34" charset="0"/>
+                <a:cs typeface="Arial" panose="020B0604020202020204" pitchFamily="34" charset="0"/>
+              </a:rPr>
+              <a:t>==3.3</a:t>
+            </a:r>
+          </a:p>
+          <a:p>
+            <a:r>
+              <a:rPr lang="en-US" dirty="0" err="1">
+                <a:latin typeface="Arial" panose="020B0604020202020204" pitchFamily="34" charset="0"/>
+                <a:cs typeface="Arial" panose="020B0604020202020204" pitchFamily="34" charset="0"/>
+              </a:rPr>
+              <a:t>pefile</a:t>
+            </a:r>
+            <a:r>
+              <a:rPr lang="en-US" dirty="0">
+                <a:latin typeface="Arial" panose="020B0604020202020204" pitchFamily="34" charset="0"/>
+                <a:cs typeface="Arial" panose="020B0604020202020204" pitchFamily="34" charset="0"/>
+              </a:rPr>
+              <a:t>==2021.9.3</a:t>
+            </a:r>
+          </a:p>
+          <a:p>
+            <a:r>
+              <a:rPr lang="en-US" dirty="0">
+                <a:latin typeface="Arial" panose="020B0604020202020204" pitchFamily="34" charset="0"/>
+                <a:cs typeface="Arial" panose="020B0604020202020204" pitchFamily="34" charset="0"/>
+              </a:rPr>
+              <a:t>Pillow==</a:t>
+            </a:r>
+            <a:r>
+              <a:rPr lang="en-US" dirty="0" smtClean="0">
+                <a:latin typeface="Arial" panose="020B0604020202020204" pitchFamily="34" charset="0"/>
+                <a:cs typeface="Arial" panose="020B0604020202020204" pitchFamily="34" charset="0"/>
+              </a:rPr>
+              <a:t>8.4.0</a:t>
+            </a:r>
+            <a:endParaRPr lang="en-US" dirty="0">
+              <a:latin typeface="Arial" panose="020B0604020202020204" pitchFamily="34" charset="0"/>
+              <a:cs typeface="Arial" panose="020B0604020202020204" pitchFamily="34" charset="0"/>
+            </a:endParaRPr>
+          </a:p>
+        </p:txBody>
+      </p:sp>
+      <p:sp>
+        <p:nvSpPr>
+          <p:cNvPr id="8" name="Прямоугольник 7"/>
+          <p:cNvSpPr/>
+          <p:nvPr/>
+        </p:nvSpPr>
+        <p:spPr>
+          <a:xfrm>
+            <a:off x="7134225" y="1683027"/>
+            <a:ext cx="4105275" cy="2585323"/>
+          </a:xfrm>
+          <a:prstGeom prst="rect">
+            <a:avLst/>
+          </a:prstGeom>
+        </p:spPr>
+        <p:txBody>
+          <a:bodyPr wrap="square">
+            <a:spAutoFit/>
+          </a:bodyPr>
+          <a:lstStyle/>
+          <a:p>
+            <a:r>
+              <a:rPr lang="en-US" dirty="0">
+                <a:latin typeface="Arial" panose="020B0604020202020204" pitchFamily="34" charset="0"/>
+                <a:cs typeface="Arial" panose="020B0604020202020204" pitchFamily="34" charset="0"/>
+              </a:rPr>
+              <a:t>pip==21.3.1</a:t>
+            </a:r>
+          </a:p>
+          <a:p>
+            <a:r>
+              <a:rPr lang="en-US" dirty="0" err="1">
+                <a:latin typeface="Arial" panose="020B0604020202020204" pitchFamily="34" charset="0"/>
+                <a:cs typeface="Arial" panose="020B0604020202020204" pitchFamily="34" charset="0"/>
+              </a:rPr>
+              <a:t>pipreqs</a:t>
+            </a:r>
+            <a:r>
+              <a:rPr lang="en-US" dirty="0">
+                <a:latin typeface="Arial" panose="020B0604020202020204" pitchFamily="34" charset="0"/>
+                <a:cs typeface="Arial" panose="020B0604020202020204" pitchFamily="34" charset="0"/>
+              </a:rPr>
+              <a:t>==0.4.11</a:t>
+            </a:r>
+          </a:p>
+          <a:p>
+            <a:r>
+              <a:rPr lang="en-US" dirty="0">
+                <a:latin typeface="Arial" panose="020B0604020202020204" pitchFamily="34" charset="0"/>
+                <a:cs typeface="Arial" panose="020B0604020202020204" pitchFamily="34" charset="0"/>
+              </a:rPr>
+              <a:t>pygame==2.1.0</a:t>
+            </a:r>
+          </a:p>
+          <a:p>
+            <a:r>
+              <a:rPr lang="en-US" dirty="0" err="1">
+                <a:latin typeface="Arial" panose="020B0604020202020204" pitchFamily="34" charset="0"/>
+                <a:cs typeface="Arial" panose="020B0604020202020204" pitchFamily="34" charset="0"/>
+              </a:rPr>
+              <a:t>pyinstaller</a:t>
+            </a:r>
+            <a:r>
+              <a:rPr lang="en-US" dirty="0">
+                <a:latin typeface="Arial" panose="020B0604020202020204" pitchFamily="34" charset="0"/>
+                <a:cs typeface="Arial" panose="020B0604020202020204" pitchFamily="34" charset="0"/>
+              </a:rPr>
+              <a:t>-hooks-</a:t>
+            </a:r>
+            <a:r>
+              <a:rPr lang="en-US" dirty="0" err="1">
+                <a:latin typeface="Arial" panose="020B0604020202020204" pitchFamily="34" charset="0"/>
+                <a:cs typeface="Arial" panose="020B0604020202020204" pitchFamily="34" charset="0"/>
+              </a:rPr>
+              <a:t>contrib</a:t>
+            </a:r>
+            <a:r>
+              <a:rPr lang="en-US" dirty="0">
+                <a:latin typeface="Arial" panose="020B0604020202020204" pitchFamily="34" charset="0"/>
+                <a:cs typeface="Arial" panose="020B0604020202020204" pitchFamily="34" charset="0"/>
+              </a:rPr>
+              <a:t>==2021.3</a:t>
+            </a:r>
+          </a:p>
+          <a:p>
+            <a:r>
+              <a:rPr lang="en-US" dirty="0" err="1">
+                <a:latin typeface="Arial" panose="020B0604020202020204" pitchFamily="34" charset="0"/>
+                <a:cs typeface="Arial" panose="020B0604020202020204" pitchFamily="34" charset="0"/>
+              </a:rPr>
+              <a:t>pyinstaller</a:t>
+            </a:r>
+            <a:r>
+              <a:rPr lang="en-US" dirty="0">
+                <a:latin typeface="Arial" panose="020B0604020202020204" pitchFamily="34" charset="0"/>
+                <a:cs typeface="Arial" panose="020B0604020202020204" pitchFamily="34" charset="0"/>
+              </a:rPr>
+              <a:t>==</a:t>
+            </a:r>
+            <a:r>
+              <a:rPr lang="en-US" dirty="0" smtClean="0">
+                <a:latin typeface="Arial" panose="020B0604020202020204" pitchFamily="34" charset="0"/>
+                <a:cs typeface="Arial" panose="020B0604020202020204" pitchFamily="34" charset="0"/>
+              </a:rPr>
+              <a:t>4.7</a:t>
+            </a:r>
+          </a:p>
+          <a:p>
+            <a:r>
+              <a:rPr lang="en-US" dirty="0" smtClean="0">
+                <a:latin typeface="Arial" panose="020B0604020202020204" pitchFamily="34" charset="0"/>
+                <a:cs typeface="Arial" panose="020B0604020202020204" pitchFamily="34" charset="0"/>
+              </a:rPr>
+              <a:t>requests</a:t>
+            </a:r>
+            <a:r>
+              <a:rPr lang="en-US" dirty="0">
+                <a:latin typeface="Arial" panose="020B0604020202020204" pitchFamily="34" charset="0"/>
+                <a:cs typeface="Arial" panose="020B0604020202020204" pitchFamily="34" charset="0"/>
+              </a:rPr>
+              <a:t>==2.26.0</a:t>
+            </a:r>
+          </a:p>
+          <a:p>
+            <a:r>
+              <a:rPr lang="en-US" dirty="0" err="1">
+                <a:latin typeface="Arial" panose="020B0604020202020204" pitchFamily="34" charset="0"/>
+                <a:cs typeface="Arial" panose="020B0604020202020204" pitchFamily="34" charset="0"/>
+              </a:rPr>
+              <a:t>setuptools</a:t>
+            </a:r>
+            <a:r>
+              <a:rPr lang="en-US" dirty="0">
+                <a:latin typeface="Arial" panose="020B0604020202020204" pitchFamily="34" charset="0"/>
+                <a:cs typeface="Arial" panose="020B0604020202020204" pitchFamily="34" charset="0"/>
+              </a:rPr>
+              <a:t>==49.2.1</a:t>
+            </a:r>
+          </a:p>
+          <a:p>
+            <a:r>
+              <a:rPr lang="en-US" dirty="0">
+                <a:latin typeface="Arial" panose="020B0604020202020204" pitchFamily="34" charset="0"/>
+                <a:cs typeface="Arial" panose="020B0604020202020204" pitchFamily="34" charset="0"/>
+              </a:rPr>
+              <a:t>urllib3==1.26.7</a:t>
+            </a:r>
+          </a:p>
+          <a:p>
+            <a:r>
+              <a:rPr lang="en-US" dirty="0" err="1">
+                <a:latin typeface="Arial" panose="020B0604020202020204" pitchFamily="34" charset="0"/>
+                <a:cs typeface="Arial" panose="020B0604020202020204" pitchFamily="34" charset="0"/>
+              </a:rPr>
+              <a:t>yarg</a:t>
+            </a:r>
+            <a:r>
+              <a:rPr lang="en-US" dirty="0">
+                <a:latin typeface="Arial" panose="020B0604020202020204" pitchFamily="34" charset="0"/>
+                <a:cs typeface="Arial" panose="020B0604020202020204" pitchFamily="34" charset="0"/>
+              </a:rPr>
+              <a:t>==0.1.9</a:t>
             </a:r>
             <a:endParaRPr lang="ru-RU" dirty="0"/>
           </a:p>
@@ -3918,6 +4290,600 @@
 </file>
 
 <file path=ppt/slides/slide4.xml><?xml version="1.0" encoding="utf-8"?>
+<p:sld xmlns:a="http://schemas.openxmlformats.org/drawingml/2006/main" xmlns:r="http://schemas.openxmlformats.org/officeDocument/2006/relationships" xmlns:p="http://schemas.openxmlformats.org/presentationml/2006/main">
+  <p:cSld>
+    <p:spTree>
+      <p:nvGrpSpPr>
+        <p:cNvPr id="1" name=""/>
+        <p:cNvGrpSpPr/>
+        <p:nvPr/>
+      </p:nvGrpSpPr>
+      <p:grpSpPr>
+        <a:xfrm>
+          <a:off x="0" y="0"/>
+          <a:ext cx="0" cy="0"/>
+          <a:chOff x="0" y="0"/>
+          <a:chExt cx="0" cy="0"/>
+        </a:xfrm>
+      </p:grpSpPr>
+      <p:sp>
+        <p:nvSpPr>
+          <p:cNvPr id="2" name="Заголовок 1"/>
+          <p:cNvSpPr>
+            <a:spLocks noGrp="1"/>
+          </p:cNvSpPr>
+          <p:nvPr>
+            <p:ph type="ctrTitle"/>
+          </p:nvPr>
+        </p:nvSpPr>
+        <p:spPr/>
+        <p:txBody>
+          <a:bodyPr/>
+          <a:lstStyle/>
+          <a:p>
+            <a:r>
+              <a:rPr lang="ru-RU" dirty="0" smtClean="0">
+                <a:solidFill>
+                  <a:schemeClr val="bg1"/>
+                </a:solidFill>
+              </a:rPr>
+              <a:t>Игра «</a:t>
+            </a:r>
+            <a:r>
+              <a:rPr lang="en-US" dirty="0" smtClean="0">
+                <a:solidFill>
+                  <a:schemeClr val="bg1"/>
+                </a:solidFill>
+              </a:rPr>
+              <a:t>castle defense</a:t>
+            </a:r>
+            <a:r>
+              <a:rPr lang="ru-RU" dirty="0" smtClean="0">
+                <a:solidFill>
+                  <a:schemeClr val="bg1"/>
+                </a:solidFill>
+              </a:rPr>
+              <a:t>»</a:t>
+            </a:r>
+            <a:endParaRPr lang="ru-RU" dirty="0">
+              <a:solidFill>
+                <a:schemeClr val="bg1"/>
+              </a:solidFill>
+            </a:endParaRPr>
+          </a:p>
+        </p:txBody>
+      </p:sp>
+      <p:sp>
+        <p:nvSpPr>
+          <p:cNvPr id="3" name="Подзаголовок 2"/>
+          <p:cNvSpPr>
+            <a:spLocks noGrp="1"/>
+          </p:cNvSpPr>
+          <p:nvPr>
+            <p:ph type="subTitle" idx="1"/>
+          </p:nvPr>
+        </p:nvSpPr>
+        <p:spPr>
+          <a:xfrm>
+            <a:off x="76199" y="5259388"/>
+            <a:ext cx="6657975" cy="474662"/>
+          </a:xfrm>
+        </p:spPr>
+        <p:txBody>
+          <a:bodyPr/>
+          <a:lstStyle/>
+          <a:p>
+            <a:r>
+              <a:rPr lang="ru-RU" dirty="0" smtClean="0">
+                <a:solidFill>
+                  <a:schemeClr val="bg1"/>
+                </a:solidFill>
+              </a:rPr>
+              <a:t>Выполнили: Денисов Максим, Старостина Елена</a:t>
+            </a:r>
+            <a:endParaRPr lang="ru-RU" dirty="0">
+              <a:solidFill>
+                <a:schemeClr val="bg1"/>
+              </a:solidFill>
+            </a:endParaRPr>
+          </a:p>
+        </p:txBody>
+      </p:sp>
+      <p:sp>
+        <p:nvSpPr>
+          <p:cNvPr id="4" name="Прямоугольник 3"/>
+          <p:cNvSpPr/>
+          <p:nvPr/>
+        </p:nvSpPr>
+        <p:spPr>
+          <a:xfrm>
+            <a:off x="2228850" y="2006083"/>
+            <a:ext cx="7033031" cy="1015663"/>
+          </a:xfrm>
+          <a:prstGeom prst="rect">
+            <a:avLst/>
+          </a:prstGeom>
+        </p:spPr>
+        <p:txBody>
+          <a:bodyPr wrap="square">
+            <a:spAutoFit/>
+          </a:bodyPr>
+          <a:lstStyle/>
+          <a:p>
+            <a:r>
+              <a:rPr lang="ru-RU" sz="6000" dirty="0" smtClean="0">
+                <a:solidFill>
+                  <a:schemeClr val="bg1"/>
+                </a:solidFill>
+                <a:latin typeface="+mj-lt"/>
+              </a:rPr>
+              <a:t>Игра</a:t>
+            </a:r>
+            <a:r>
+              <a:rPr lang="en-US" sz="6000" dirty="0" smtClean="0">
+                <a:solidFill>
+                  <a:schemeClr val="bg1"/>
+                </a:solidFill>
+                <a:latin typeface="+mj-lt"/>
+              </a:rPr>
+              <a:t> “Castle Defense”</a:t>
+            </a:r>
+            <a:r>
+              <a:rPr lang="ru-RU" sz="6000" dirty="0" smtClean="0">
+                <a:solidFill>
+                  <a:schemeClr val="bg1"/>
+                </a:solidFill>
+                <a:latin typeface="+mj-lt"/>
+              </a:rPr>
+              <a:t> </a:t>
+            </a:r>
+            <a:endParaRPr lang="ru-RU" sz="6000" dirty="0">
+              <a:solidFill>
+                <a:schemeClr val="bg1"/>
+              </a:solidFill>
+              <a:latin typeface="+mj-lt"/>
+            </a:endParaRPr>
+          </a:p>
+        </p:txBody>
+      </p:sp>
+      <p:sp>
+        <p:nvSpPr>
+          <p:cNvPr id="6" name="Прямоугольник 5"/>
+          <p:cNvSpPr/>
+          <p:nvPr/>
+        </p:nvSpPr>
+        <p:spPr>
+          <a:xfrm>
+            <a:off x="76199" y="5312053"/>
+            <a:ext cx="4962897" cy="369332"/>
+          </a:xfrm>
+          <a:prstGeom prst="rect">
+            <a:avLst/>
+          </a:prstGeom>
+        </p:spPr>
+        <p:txBody>
+          <a:bodyPr wrap="none">
+            <a:spAutoFit/>
+          </a:bodyPr>
+          <a:lstStyle/>
+          <a:p>
+            <a:r>
+              <a:rPr lang="ru-RU" dirty="0" smtClean="0">
+                <a:solidFill>
+                  <a:schemeClr val="bg1"/>
+                </a:solidFill>
+              </a:rPr>
+              <a:t>Выполнили: Денисов Максим, Старостина Елена</a:t>
+            </a:r>
+            <a:endParaRPr lang="ru-RU" dirty="0"/>
+          </a:p>
+        </p:txBody>
+      </p:sp>
+      <p:pic>
+        <p:nvPicPr>
+          <p:cNvPr id="3076" name="Picture 4" descr="https://phonoteka.org/uploads/posts/2021-05/1620169927_28-phonoteka_org-p-fon-dlya-prezentatsii-kubiki-32.jpg"/>
+          <p:cNvPicPr>
+            <a:picLocks noChangeAspect="1" noChangeArrowheads="1"/>
+          </p:cNvPicPr>
+          <p:nvPr/>
+        </p:nvPicPr>
+        <p:blipFill>
+          <a:blip r:embed="rId2">
+            <a:extLst>
+              <a:ext uri="{28A0092B-C50C-407E-A947-70E740481C1C}">
+                <a14:useLocalDpi xmlns:a14="http://schemas.microsoft.com/office/drawing/2010/main" val="0"/>
+              </a:ext>
+            </a:extLst>
+          </a:blip>
+          <a:srcRect/>
+          <a:stretch>
+            <a:fillRect/>
+          </a:stretch>
+        </p:blipFill>
+        <p:spPr bwMode="auto">
+          <a:xfrm>
+            <a:off x="2" y="-16729"/>
+            <a:ext cx="12191998" cy="6857999"/>
+          </a:xfrm>
+          <a:prstGeom prst="rect">
+            <a:avLst/>
+          </a:prstGeom>
+          <a:noFill/>
+          <a:extLst>
+            <a:ext uri="{909E8E84-426E-40DD-AFC4-6F175D3DCCD1}">
+              <a14:hiddenFill xmlns:a14="http://schemas.microsoft.com/office/drawing/2010/main">
+                <a:solidFill>
+                  <a:srgbClr val="FFFFFF"/>
+                </a:solidFill>
+              </a14:hiddenFill>
+            </a:ext>
+          </a:extLst>
+        </p:spPr>
+      </p:pic>
+      <p:sp>
+        <p:nvSpPr>
+          <p:cNvPr id="7" name="Прямоугольник 6"/>
+          <p:cNvSpPr/>
+          <p:nvPr/>
+        </p:nvSpPr>
+        <p:spPr>
+          <a:xfrm>
+            <a:off x="0" y="225424"/>
+            <a:ext cx="12191998" cy="1107996"/>
+          </a:xfrm>
+          <a:prstGeom prst="rect">
+            <a:avLst/>
+          </a:prstGeom>
+        </p:spPr>
+        <p:txBody>
+          <a:bodyPr wrap="square">
+            <a:spAutoFit/>
+          </a:bodyPr>
+          <a:lstStyle/>
+          <a:p>
+            <a:pPr algn="ctr"/>
+            <a:r>
+              <a:rPr lang="ru-RU" sz="6600" dirty="0" smtClean="0"/>
+              <a:t>Элементы интерфейса</a:t>
+            </a:r>
+            <a:endParaRPr lang="ru-RU" sz="6600" dirty="0"/>
+          </a:p>
+        </p:txBody>
+      </p:sp>
+      <p:sp>
+        <p:nvSpPr>
+          <p:cNvPr id="5" name="Прямоугольник 4"/>
+          <p:cNvSpPr/>
+          <p:nvPr/>
+        </p:nvSpPr>
+        <p:spPr>
+          <a:xfrm>
+            <a:off x="76199" y="1387594"/>
+            <a:ext cx="5166799" cy="5183150"/>
+          </a:xfrm>
+          <a:prstGeom prst="rect">
+            <a:avLst/>
+          </a:prstGeom>
+        </p:spPr>
+        <p:txBody>
+          <a:bodyPr wrap="none">
+            <a:spAutoFit/>
+          </a:bodyPr>
+          <a:lstStyle/>
+          <a:p>
+            <a:pPr marL="285750" indent="-285750">
+              <a:lnSpc>
+                <a:spcPct val="150000"/>
+              </a:lnSpc>
+              <a:buFont typeface="Arial" panose="020B0604020202020204" pitchFamily="34" charset="0"/>
+              <a:buChar char="•"/>
+            </a:pPr>
+            <a:r>
+              <a:rPr lang="ru-RU" sz="2800" dirty="0" smtClean="0">
+                <a:latin typeface="Arial" panose="020B0604020202020204" pitchFamily="34" charset="0"/>
+                <a:cs typeface="Arial" panose="020B0604020202020204" pitchFamily="34" charset="0"/>
+              </a:rPr>
+              <a:t>Главное меню</a:t>
+            </a:r>
+          </a:p>
+          <a:p>
+            <a:pPr marL="285750" indent="-285750">
+              <a:lnSpc>
+                <a:spcPct val="150000"/>
+              </a:lnSpc>
+              <a:buFont typeface="Arial" panose="020B0604020202020204" pitchFamily="34" charset="0"/>
+              <a:buChar char="•"/>
+            </a:pPr>
+            <a:r>
+              <a:rPr lang="ru-RU" sz="2800" dirty="0">
+                <a:latin typeface="Arial" panose="020B0604020202020204" pitchFamily="34" charset="0"/>
+                <a:cs typeface="Arial" panose="020B0604020202020204" pitchFamily="34" charset="0"/>
+              </a:rPr>
+              <a:t>Окно </a:t>
+            </a:r>
+            <a:r>
+              <a:rPr lang="ru-RU" sz="2800" dirty="0" smtClean="0">
+                <a:latin typeface="Arial" panose="020B0604020202020204" pitchFamily="34" charset="0"/>
+                <a:cs typeface="Arial" panose="020B0604020202020204" pitchFamily="34" charset="0"/>
+              </a:rPr>
+              <a:t>обучения</a:t>
+            </a:r>
+            <a:endParaRPr lang="ru-RU" sz="2800" dirty="0" smtClean="0"/>
+          </a:p>
+          <a:p>
+            <a:pPr marL="285750" indent="-285750">
+              <a:lnSpc>
+                <a:spcPct val="150000"/>
+              </a:lnSpc>
+              <a:buFont typeface="Arial" panose="020B0604020202020204" pitchFamily="34" charset="0"/>
+              <a:buChar char="•"/>
+            </a:pPr>
+            <a:r>
+              <a:rPr lang="ru-RU" sz="2800" dirty="0" smtClean="0">
+                <a:latin typeface="Arial" panose="020B0604020202020204" pitchFamily="34" charset="0"/>
+                <a:cs typeface="Arial" panose="020B0604020202020204" pitchFamily="34" charset="0"/>
+              </a:rPr>
+              <a:t>Окно достижений</a:t>
+            </a:r>
+          </a:p>
+          <a:p>
+            <a:pPr marL="285750" indent="-285750">
+              <a:lnSpc>
+                <a:spcPct val="150000"/>
+              </a:lnSpc>
+              <a:buFont typeface="Arial" panose="020B0604020202020204" pitchFamily="34" charset="0"/>
+              <a:buChar char="•"/>
+            </a:pPr>
+            <a:r>
+              <a:rPr lang="ru-RU" sz="2800" dirty="0" smtClean="0">
+                <a:latin typeface="Arial" panose="020B0604020202020204" pitchFamily="34" charset="0"/>
+                <a:cs typeface="Arial" panose="020B0604020202020204" pitchFamily="34" charset="0"/>
+              </a:rPr>
+              <a:t>Окно с информацией о игре</a:t>
+            </a:r>
+          </a:p>
+          <a:p>
+            <a:pPr marL="285750" indent="-285750">
+              <a:lnSpc>
+                <a:spcPct val="150000"/>
+              </a:lnSpc>
+              <a:buFont typeface="Arial" panose="020B0604020202020204" pitchFamily="34" charset="0"/>
+              <a:buChar char="•"/>
+            </a:pPr>
+            <a:r>
+              <a:rPr lang="ru-RU" sz="2800" dirty="0" smtClean="0">
+                <a:latin typeface="Arial" panose="020B0604020202020204" pitchFamily="34" charset="0"/>
+                <a:cs typeface="Arial" panose="020B0604020202020204" pitchFamily="34" charset="0"/>
+              </a:rPr>
+              <a:t>Окно выбора уровня</a:t>
+            </a:r>
+          </a:p>
+          <a:p>
+            <a:pPr marL="285750" indent="-285750">
+              <a:lnSpc>
+                <a:spcPct val="150000"/>
+              </a:lnSpc>
+              <a:buFont typeface="Arial" panose="020B0604020202020204" pitchFamily="34" charset="0"/>
+              <a:buChar char="•"/>
+            </a:pPr>
+            <a:r>
+              <a:rPr lang="ru-RU" sz="2800" dirty="0" smtClean="0">
+                <a:latin typeface="Arial" panose="020B0604020202020204" pitchFamily="34" charset="0"/>
+                <a:cs typeface="Arial" panose="020B0604020202020204" pitchFamily="34" charset="0"/>
+              </a:rPr>
+              <a:t>Уровень</a:t>
+            </a:r>
+          </a:p>
+          <a:p>
+            <a:pPr marL="285750" indent="-285750">
+              <a:lnSpc>
+                <a:spcPct val="150000"/>
+              </a:lnSpc>
+              <a:buFont typeface="Arial" panose="020B0604020202020204" pitchFamily="34" charset="0"/>
+              <a:buChar char="•"/>
+            </a:pPr>
+            <a:r>
+              <a:rPr lang="ru-RU" sz="2800" dirty="0" smtClean="0">
+                <a:latin typeface="Arial" panose="020B0604020202020204" pitchFamily="34" charset="0"/>
+                <a:cs typeface="Arial" panose="020B0604020202020204" pitchFamily="34" charset="0"/>
+              </a:rPr>
+              <a:t>Меню паузы</a:t>
+            </a:r>
+          </a:p>
+          <a:p>
+            <a:pPr marL="285750" indent="-285750">
+              <a:lnSpc>
+                <a:spcPct val="150000"/>
+              </a:lnSpc>
+              <a:buFont typeface="Arial" panose="020B0604020202020204" pitchFamily="34" charset="0"/>
+              <a:buChar char="•"/>
+            </a:pPr>
+            <a:r>
+              <a:rPr lang="ru-RU" sz="2800" dirty="0" smtClean="0">
+                <a:latin typeface="Arial" panose="020B0604020202020204" pitchFamily="34" charset="0"/>
+                <a:cs typeface="Arial" panose="020B0604020202020204" pitchFamily="34" charset="0"/>
+              </a:rPr>
+              <a:t>Финальное окно</a:t>
+            </a:r>
+          </a:p>
+        </p:txBody>
+      </p:sp>
+      <p:pic>
+        <p:nvPicPr>
+          <p:cNvPr id="10" name="Рисунок 9"/>
+          <p:cNvPicPr>
+            <a:picLocks noChangeAspect="1"/>
+          </p:cNvPicPr>
+          <p:nvPr/>
+        </p:nvPicPr>
+        <p:blipFill rotWithShape="1">
+          <a:blip r:embed="rId3"/>
+          <a:srcRect l="640" t="4405" r="768" b="881"/>
+          <a:stretch/>
+        </p:blipFill>
+        <p:spPr>
+          <a:xfrm>
+            <a:off x="5481864" y="1191191"/>
+            <a:ext cx="5186137" cy="2896154"/>
+          </a:xfrm>
+          <a:prstGeom prst="rect">
+            <a:avLst/>
+          </a:prstGeom>
+        </p:spPr>
+      </p:pic>
+      <p:cxnSp>
+        <p:nvCxnSpPr>
+          <p:cNvPr id="12" name="Прямая со стрелкой 11"/>
+          <p:cNvCxnSpPr/>
+          <p:nvPr/>
+        </p:nvCxnSpPr>
+        <p:spPr>
+          <a:xfrm flipV="1">
+            <a:off x="3000375" y="1619250"/>
+            <a:ext cx="2552700" cy="809625"/>
+          </a:xfrm>
+          <a:prstGeom prst="straightConnector1">
+            <a:avLst/>
+          </a:prstGeom>
+          <a:ln w="38100">
+            <a:tailEnd type="triangle"/>
+          </a:ln>
+        </p:spPr>
+        <p:style>
+          <a:lnRef idx="3">
+            <a:schemeClr val="accent5"/>
+          </a:lnRef>
+          <a:fillRef idx="0">
+            <a:schemeClr val="accent5"/>
+          </a:fillRef>
+          <a:effectRef idx="2">
+            <a:schemeClr val="accent5"/>
+          </a:effectRef>
+          <a:fontRef idx="minor">
+            <a:schemeClr val="tx1"/>
+          </a:fontRef>
+        </p:style>
+      </p:cxnSp>
+      <p:cxnSp>
+        <p:nvCxnSpPr>
+          <p:cNvPr id="14" name="Прямая со стрелкой 13"/>
+          <p:cNvCxnSpPr/>
+          <p:nvPr/>
+        </p:nvCxnSpPr>
+        <p:spPr>
+          <a:xfrm flipV="1">
+            <a:off x="3400425" y="2152650"/>
+            <a:ext cx="2200275" cy="937924"/>
+          </a:xfrm>
+          <a:prstGeom prst="straightConnector1">
+            <a:avLst/>
+          </a:prstGeom>
+          <a:ln w="38100">
+            <a:tailEnd type="triangle"/>
+          </a:ln>
+        </p:spPr>
+        <p:style>
+          <a:lnRef idx="3">
+            <a:schemeClr val="accent5"/>
+          </a:lnRef>
+          <a:fillRef idx="0">
+            <a:schemeClr val="accent5"/>
+          </a:fillRef>
+          <a:effectRef idx="2">
+            <a:schemeClr val="accent5"/>
+          </a:effectRef>
+          <a:fontRef idx="minor">
+            <a:schemeClr val="tx1"/>
+          </a:fontRef>
+        </p:style>
+      </p:cxnSp>
+      <p:cxnSp>
+        <p:nvCxnSpPr>
+          <p:cNvPr id="16" name="Прямая со стрелкой 15"/>
+          <p:cNvCxnSpPr/>
+          <p:nvPr/>
+        </p:nvCxnSpPr>
+        <p:spPr>
+          <a:xfrm flipV="1">
+            <a:off x="5143500" y="2660531"/>
+            <a:ext cx="533400" cy="1081088"/>
+          </a:xfrm>
+          <a:prstGeom prst="straightConnector1">
+            <a:avLst/>
+          </a:prstGeom>
+          <a:ln w="38100">
+            <a:tailEnd type="triangle"/>
+          </a:ln>
+        </p:spPr>
+        <p:style>
+          <a:lnRef idx="3">
+            <a:schemeClr val="accent5"/>
+          </a:lnRef>
+          <a:fillRef idx="0">
+            <a:schemeClr val="accent5"/>
+          </a:fillRef>
+          <a:effectRef idx="2">
+            <a:schemeClr val="accent5"/>
+          </a:effectRef>
+          <a:fontRef idx="minor">
+            <a:schemeClr val="tx1"/>
+          </a:fontRef>
+        </p:style>
+      </p:cxnSp>
+      <p:cxnSp>
+        <p:nvCxnSpPr>
+          <p:cNvPr id="18" name="Прямая со стрелкой 17"/>
+          <p:cNvCxnSpPr/>
+          <p:nvPr/>
+        </p:nvCxnSpPr>
+        <p:spPr>
+          <a:xfrm flipV="1">
+            <a:off x="3914775" y="3509963"/>
+            <a:ext cx="3162300" cy="896940"/>
+          </a:xfrm>
+          <a:prstGeom prst="straightConnector1">
+            <a:avLst/>
+          </a:prstGeom>
+          <a:ln w="38100">
+            <a:tailEnd type="triangle"/>
+          </a:ln>
+        </p:spPr>
+        <p:style>
+          <a:lnRef idx="3">
+            <a:schemeClr val="accent5"/>
+          </a:lnRef>
+          <a:fillRef idx="0">
+            <a:schemeClr val="accent5"/>
+          </a:fillRef>
+          <a:effectRef idx="2">
+            <a:schemeClr val="accent5"/>
+          </a:effectRef>
+          <a:fontRef idx="minor">
+            <a:schemeClr val="tx1"/>
+          </a:fontRef>
+        </p:style>
+      </p:cxnSp>
+    </p:spTree>
+    <p:extLst>
+      <p:ext uri="{BB962C8B-B14F-4D97-AF65-F5344CB8AC3E}">
+        <p14:creationId xmlns:p14="http://schemas.microsoft.com/office/powerpoint/2010/main" val="2814591640"/>
+      </p:ext>
+    </p:extLst>
+  </p:cSld>
+  <p:clrMapOvr>
+    <a:masterClrMapping/>
+  </p:clrMapOvr>
+  <p:timing>
+    <p:tnLst>
+      <p:par>
+        <p:cTn id="1" dur="indefinite" restart="never" nodeType="tmRoot"/>
+      </p:par>
+    </p:tnLst>
+  </p:timing>
+</p:sld>
+</file>
+
+<file path=ppt/slides/slide5.xml><?xml version="1.0" encoding="utf-8"?>
 <p:sld xmlns:a="http://schemas.openxmlformats.org/drawingml/2006/main" xmlns:r="http://schemas.openxmlformats.org/officeDocument/2006/relationships" xmlns:p="http://schemas.openxmlformats.org/presentationml/2006/main">
   <p:cSld>
     <p:spTree>

--- a/Презентация.pptx
+++ b/Презентация.pptx
@@ -9,7 +9,10 @@
     <p:sldId id="258" r:id="rId3"/>
     <p:sldId id="259" r:id="rId4"/>
     <p:sldId id="261" r:id="rId5"/>
-    <p:sldId id="260" r:id="rId6"/>
+    <p:sldId id="262" r:id="rId6"/>
+    <p:sldId id="263" r:id="rId7"/>
+    <p:sldId id="260" r:id="rId8"/>
+    <p:sldId id="264" r:id="rId9"/>
   </p:sldIdLst>
   <p:sldSz cx="12192000" cy="6858000"/>
   <p:notesSz cx="6858000" cy="9144000"/>
@@ -247,7 +250,7 @@
           <a:p>
             <a:fld id="{CD3359FC-4C53-467B-811F-F4AB7B7945E2}" type="datetimeFigureOut">
               <a:rPr lang="ru-RU" smtClean="0"/>
-              <a:t>29.01.2022</a:t>
+              <a:t>04.02.2022</a:t>
             </a:fld>
             <a:endParaRPr lang="ru-RU"/>
           </a:p>
@@ -417,7 +420,7 @@
           <a:p>
             <a:fld id="{CD3359FC-4C53-467B-811F-F4AB7B7945E2}" type="datetimeFigureOut">
               <a:rPr lang="ru-RU" smtClean="0"/>
-              <a:t>29.01.2022</a:t>
+              <a:t>04.02.2022</a:t>
             </a:fld>
             <a:endParaRPr lang="ru-RU"/>
           </a:p>
@@ -597,7 +600,7 @@
           <a:p>
             <a:fld id="{CD3359FC-4C53-467B-811F-F4AB7B7945E2}" type="datetimeFigureOut">
               <a:rPr lang="ru-RU" smtClean="0"/>
-              <a:t>29.01.2022</a:t>
+              <a:t>04.02.2022</a:t>
             </a:fld>
             <a:endParaRPr lang="ru-RU"/>
           </a:p>
@@ -767,7 +770,7 @@
           <a:p>
             <a:fld id="{CD3359FC-4C53-467B-811F-F4AB7B7945E2}" type="datetimeFigureOut">
               <a:rPr lang="ru-RU" smtClean="0"/>
-              <a:t>29.01.2022</a:t>
+              <a:t>04.02.2022</a:t>
             </a:fld>
             <a:endParaRPr lang="ru-RU"/>
           </a:p>
@@ -1013,7 +1016,7 @@
           <a:p>
             <a:fld id="{CD3359FC-4C53-467B-811F-F4AB7B7945E2}" type="datetimeFigureOut">
               <a:rPr lang="ru-RU" smtClean="0"/>
-              <a:t>29.01.2022</a:t>
+              <a:t>04.02.2022</a:t>
             </a:fld>
             <a:endParaRPr lang="ru-RU"/>
           </a:p>
@@ -1245,7 +1248,7 @@
           <a:p>
             <a:fld id="{CD3359FC-4C53-467B-811F-F4AB7B7945E2}" type="datetimeFigureOut">
               <a:rPr lang="ru-RU" smtClean="0"/>
-              <a:t>29.01.2022</a:t>
+              <a:t>04.02.2022</a:t>
             </a:fld>
             <a:endParaRPr lang="ru-RU"/>
           </a:p>
@@ -1612,7 +1615,7 @@
           <a:p>
             <a:fld id="{CD3359FC-4C53-467B-811F-F4AB7B7945E2}" type="datetimeFigureOut">
               <a:rPr lang="ru-RU" smtClean="0"/>
-              <a:t>29.01.2022</a:t>
+              <a:t>04.02.2022</a:t>
             </a:fld>
             <a:endParaRPr lang="ru-RU"/>
           </a:p>
@@ -1730,7 +1733,7 @@
           <a:p>
             <a:fld id="{CD3359FC-4C53-467B-811F-F4AB7B7945E2}" type="datetimeFigureOut">
               <a:rPr lang="ru-RU" smtClean="0"/>
-              <a:t>29.01.2022</a:t>
+              <a:t>04.02.2022</a:t>
             </a:fld>
             <a:endParaRPr lang="ru-RU"/>
           </a:p>
@@ -1825,7 +1828,7 @@
           <a:p>
             <a:fld id="{CD3359FC-4C53-467B-811F-F4AB7B7945E2}" type="datetimeFigureOut">
               <a:rPr lang="ru-RU" smtClean="0"/>
-              <a:t>29.01.2022</a:t>
+              <a:t>04.02.2022</a:t>
             </a:fld>
             <a:endParaRPr lang="ru-RU"/>
           </a:p>
@@ -2102,7 +2105,7 @@
           <a:p>
             <a:fld id="{CD3359FC-4C53-467B-811F-F4AB7B7945E2}" type="datetimeFigureOut">
               <a:rPr lang="ru-RU" smtClean="0"/>
-              <a:t>29.01.2022</a:t>
+              <a:t>04.02.2022</a:t>
             </a:fld>
             <a:endParaRPr lang="ru-RU"/>
           </a:p>
@@ -2355,7 +2358,7 @@
           <a:p>
             <a:fld id="{CD3359FC-4C53-467B-811F-F4AB7B7945E2}" type="datetimeFigureOut">
               <a:rPr lang="ru-RU" smtClean="0"/>
-              <a:t>29.01.2022</a:t>
+              <a:t>04.02.2022</a:t>
             </a:fld>
             <a:endParaRPr lang="ru-RU"/>
           </a:p>
@@ -2568,7 +2571,7 @@
           <a:p>
             <a:fld id="{CD3359FC-4C53-467B-811F-F4AB7B7945E2}" type="datetimeFigureOut">
               <a:rPr lang="ru-RU" smtClean="0"/>
-              <a:t>29.01.2022</a:t>
+              <a:t>04.02.2022</a:t>
             </a:fld>
             <a:endParaRPr lang="ru-RU"/>
           </a:p>
@@ -3211,7 +3214,19 @@
             <a:pPr algn="ctr"/>
             <a:r>
               <a:rPr lang="ru-RU" sz="6600" dirty="0" smtClean="0"/>
-              <a:t>Игра «Защита замка»</a:t>
+              <a:t>Игра </a:t>
+            </a:r>
+            <a:r>
+              <a:rPr lang="ru-RU" sz="6600" dirty="0" smtClean="0"/>
+              <a:t>«</a:t>
+            </a:r>
+            <a:r>
+              <a:rPr lang="en-US" sz="6600" dirty="0" smtClean="0"/>
+              <a:t>Castle defense</a:t>
+            </a:r>
+            <a:r>
+              <a:rPr lang="ru-RU" sz="6600" dirty="0" smtClean="0"/>
+              <a:t>»</a:t>
             </a:r>
             <a:endParaRPr lang="ru-RU" sz="6600" dirty="0"/>
           </a:p>
@@ -3587,11 +3602,7 @@
             </a:r>
             <a:r>
               <a:rPr lang="ru-RU" dirty="0" smtClean="0"/>
-              <a:t>» </a:t>
-            </a:r>
-            <a:r>
-              <a:rPr lang="ru-RU" dirty="0" smtClean="0"/>
-              <a:t>это игра в жанре </a:t>
+              <a:t>» это игра в жанре </a:t>
             </a:r>
             <a:r>
               <a:rPr lang="en-US" dirty="0" smtClean="0"/>
@@ -3623,35 +3634,7 @@
             </a:r>
             <a:r>
               <a:rPr lang="ru-RU" dirty="0" smtClean="0"/>
-              <a:t>.»</a:t>
-            </a:r>
-            <a:r>
-              <a:rPr lang="ru-RU" dirty="0" smtClean="0"/>
-              <a:t> </a:t>
-            </a:r>
-            <a:r>
-              <a:rPr lang="ru-RU" dirty="0" smtClean="0"/>
-              <a:t>В игре присутствуют 5 уровней различной сложности, 3 вида башен и </a:t>
-            </a:r>
-            <a:r>
-              <a:rPr lang="ru-RU" dirty="0" smtClean="0"/>
-              <a:t> 5 видов врагов</a:t>
-            </a:r>
-            <a:r>
-              <a:rPr lang="ru-RU" dirty="0" smtClean="0"/>
-              <a:t>. Враги идут волнами, с каждой волной они быстрее появляются и их количество увеличивается. При прохождении уровня игроку будет предоставлено окно с его статистикой. Помимо этого игрок может </a:t>
-            </a:r>
-            <a:r>
-              <a:rPr lang="ru-RU" dirty="0" smtClean="0"/>
-              <a:t>посмотреть свои достижения </a:t>
-            </a:r>
-            <a:r>
-              <a:rPr lang="ru-RU" dirty="0" smtClean="0"/>
-              <a:t>в главном меню. Также в любой момент пользователь может поставить игру на паузу</a:t>
-            </a:r>
-            <a:r>
-              <a:rPr lang="ru-RU" dirty="0" smtClean="0"/>
-              <a:t>.</a:t>
+              <a:t>.» В игре присутствуют 5 уровней различной сложности, 3 вида башен и  5 видов врагов. Враги идут волнами, с каждой волной они быстрее появляются и их количество увеличивается. При прохождении уровня игроку будет предоставлено окно с его статистикой. Помимо этого игрок может посмотреть свои достижения в главном меню. Также в любой момент пользователь может поставить игру на паузу.</a:t>
             </a:r>
           </a:p>
         </p:txBody>
@@ -3890,7 +3873,7 @@
         <p:spPr bwMode="auto">
           <a:xfrm>
             <a:off x="2" y="-16729"/>
-            <a:ext cx="12191998" cy="6857999"/>
+            <a:ext cx="12191998" cy="6874729"/>
           </a:xfrm>
           <a:prstGeom prst="rect">
             <a:avLst/>
@@ -4503,7 +4486,7 @@
         <p:spPr bwMode="auto">
           <a:xfrm>
             <a:off x="2" y="-16729"/>
-            <a:ext cx="12191998" cy="6857999"/>
+            <a:ext cx="12191998" cy="6874729"/>
           </a:xfrm>
           <a:prstGeom prst="rect">
             <a:avLst/>
@@ -4520,6 +4503,29 @@
           </a:extLst>
         </p:spPr>
       </p:pic>
+      <p:pic>
+        <p:nvPicPr>
+          <p:cNvPr id="11" name="Рисунок 10"/>
+          <p:cNvPicPr>
+            <a:picLocks noChangeAspect="1"/>
+          </p:cNvPicPr>
+          <p:nvPr/>
+        </p:nvPicPr>
+        <p:blipFill rotWithShape="1">
+          <a:blip r:embed="rId3"/>
+          <a:srcRect l="732" t="4795" r="783" b="1121"/>
+          <a:stretch/>
+        </p:blipFill>
+        <p:spPr>
+          <a:xfrm>
+            <a:off x="5505116" y="3922741"/>
+            <a:ext cx="5259071" cy="2935259"/>
+          </a:xfrm>
+          <a:prstGeom prst="rect">
+            <a:avLst/>
+          </a:prstGeom>
+        </p:spPr>
+      </p:pic>
       <p:sp>
         <p:nvSpPr>
           <p:cNvPr id="7" name="Прямоугольник 6"/>
@@ -4528,7 +4534,7 @@
         </p:nvSpPr>
         <p:spPr>
           <a:xfrm>
-            <a:off x="0" y="225424"/>
+            <a:off x="2" y="55623"/>
             <a:ext cx="12191998" cy="1107996"/>
           </a:xfrm>
           <a:prstGeom prst="rect">
@@ -4710,21 +4716,21 @@
       </p:sp>
       <p:pic>
         <p:nvPicPr>
-          <p:cNvPr id="10" name="Рисунок 9"/>
+          <p:cNvPr id="8" name="Рисунок 7"/>
           <p:cNvPicPr>
             <a:picLocks noChangeAspect="1"/>
           </p:cNvPicPr>
           <p:nvPr/>
         </p:nvPicPr>
         <p:blipFill rotWithShape="1">
-          <a:blip r:embed="rId3"/>
-          <a:srcRect l="640" t="4405" r="768" b="881"/>
+          <a:blip r:embed="rId4"/>
+          <a:srcRect l="641" t="4367" r="742" b="857"/>
           <a:stretch/>
         </p:blipFill>
         <p:spPr>
           <a:xfrm>
-            <a:off x="5481864" y="1191191"/>
-            <a:ext cx="5186137" cy="2896154"/>
+            <a:off x="5505116" y="988219"/>
+            <a:ext cx="5230027" cy="2939754"/>
           </a:xfrm>
           <a:prstGeom prst="rect">
             <a:avLst/>
@@ -4840,6 +4846,41 @@
           <a:xfrm flipV="1">
             <a:off x="3914775" y="3509963"/>
             <a:ext cx="3162300" cy="896940"/>
+          </a:xfrm>
+          <a:prstGeom prst="straightConnector1">
+            <a:avLst/>
+          </a:prstGeom>
+          <a:ln w="38100">
+            <a:tailEnd type="triangle"/>
+          </a:ln>
+        </p:spPr>
+        <p:style>
+          <a:lnRef idx="3">
+            <a:schemeClr val="accent5"/>
+          </a:lnRef>
+          <a:fillRef idx="0">
+            <a:schemeClr val="accent5"/>
+          </a:fillRef>
+          <a:effectRef idx="2">
+            <a:schemeClr val="accent5"/>
+          </a:effectRef>
+          <a:fontRef idx="minor">
+            <a:schemeClr val="tx1"/>
+          </a:fontRef>
+        </p:style>
+      </p:cxnSp>
+      <p:cxnSp>
+        <p:nvCxnSpPr>
+          <p:cNvPr id="17" name="Прямая со стрелкой 16"/>
+          <p:cNvCxnSpPr>
+            <a:endCxn id="11" idx="1"/>
+          </p:cNvCxnSpPr>
+          <p:nvPr/>
+        </p:nvCxnSpPr>
+        <p:spPr>
+          <a:xfrm>
+            <a:off x="2059536" y="5035413"/>
+            <a:ext cx="3445580" cy="354958"/>
           </a:xfrm>
           <a:prstGeom prst="straightConnector1">
             <a:avLst/>
@@ -5096,8 +5137,8 @@
         </p:blipFill>
         <p:spPr bwMode="auto">
           <a:xfrm>
-            <a:off x="0" y="1"/>
-            <a:ext cx="12191998" cy="6857999"/>
+            <a:off x="2" y="-16729"/>
+            <a:ext cx="12191998" cy="6874729"/>
           </a:xfrm>
           <a:prstGeom prst="rect">
             <a:avLst/>
@@ -5116,6 +5157,760 @@
       </p:pic>
       <p:sp>
         <p:nvSpPr>
+          <p:cNvPr id="5" name="Прямоугольник 4"/>
+          <p:cNvSpPr/>
+          <p:nvPr/>
+        </p:nvSpPr>
+        <p:spPr>
+          <a:xfrm>
+            <a:off x="3" y="0"/>
+            <a:ext cx="12191998" cy="1107996"/>
+          </a:xfrm>
+          <a:prstGeom prst="rect">
+            <a:avLst/>
+          </a:prstGeom>
+        </p:spPr>
+        <p:txBody>
+          <a:bodyPr wrap="square">
+            <a:spAutoFit/>
+          </a:bodyPr>
+          <a:lstStyle/>
+          <a:p>
+            <a:pPr algn="ctr"/>
+            <a:r>
+              <a:rPr lang="ru-RU" sz="6600" dirty="0" smtClean="0">
+                <a:latin typeface="Arial Black" panose="020B0A04020102020204" pitchFamily="34" charset="0"/>
+              </a:rPr>
+              <a:t>Главное меню:</a:t>
+            </a:r>
+            <a:endParaRPr lang="ru-RU" sz="6600" dirty="0">
+              <a:latin typeface="Arial Black" panose="020B0A04020102020204" pitchFamily="34" charset="0"/>
+            </a:endParaRPr>
+          </a:p>
+        </p:txBody>
+      </p:sp>
+      <p:pic>
+        <p:nvPicPr>
+          <p:cNvPr id="10" name="Рисунок 9"/>
+          <p:cNvPicPr>
+            <a:picLocks noChangeAspect="1"/>
+          </p:cNvPicPr>
+          <p:nvPr/>
+        </p:nvPicPr>
+        <p:blipFill rotWithShape="1">
+          <a:blip r:embed="rId3"/>
+          <a:srcRect l="687" t="4281" r="801" b="1125"/>
+          <a:stretch/>
+        </p:blipFill>
+        <p:spPr>
+          <a:xfrm>
+            <a:off x="237830" y="1107996"/>
+            <a:ext cx="4801266" cy="2696459"/>
+          </a:xfrm>
+          <a:prstGeom prst="rect">
+            <a:avLst/>
+          </a:prstGeom>
+        </p:spPr>
+      </p:pic>
+      <p:pic>
+        <p:nvPicPr>
+          <p:cNvPr id="15" name="Рисунок 14"/>
+          <p:cNvPicPr>
+            <a:picLocks noChangeAspect="1"/>
+          </p:cNvPicPr>
+          <p:nvPr/>
+        </p:nvPicPr>
+        <p:blipFill rotWithShape="1">
+          <a:blip r:embed="rId4"/>
+          <a:srcRect l="539" t="3681" r="890" b="1902"/>
+          <a:stretch/>
+        </p:blipFill>
+        <p:spPr>
+          <a:xfrm>
+            <a:off x="6216601" y="1107996"/>
+            <a:ext cx="4813133" cy="2696459"/>
+          </a:xfrm>
+          <a:prstGeom prst="rect">
+            <a:avLst/>
+          </a:prstGeom>
+        </p:spPr>
+      </p:pic>
+      <p:pic>
+        <p:nvPicPr>
+          <p:cNvPr id="16" name="Рисунок 15"/>
+          <p:cNvPicPr>
+            <a:picLocks noChangeAspect="1"/>
+          </p:cNvPicPr>
+          <p:nvPr/>
+        </p:nvPicPr>
+        <p:blipFill rotWithShape="1">
+          <a:blip r:embed="rId5"/>
+          <a:srcRect l="919" t="4058" r="652" b="1907"/>
+          <a:stretch/>
+        </p:blipFill>
+        <p:spPr>
+          <a:xfrm>
+            <a:off x="237830" y="4008552"/>
+            <a:ext cx="4801266" cy="2682805"/>
+          </a:xfrm>
+          <a:prstGeom prst="rect">
+            <a:avLst/>
+          </a:prstGeom>
+        </p:spPr>
+      </p:pic>
+      <p:pic>
+        <p:nvPicPr>
+          <p:cNvPr id="17" name="Рисунок 16"/>
+          <p:cNvPicPr>
+            <a:picLocks noChangeAspect="1"/>
+          </p:cNvPicPr>
+          <p:nvPr/>
+        </p:nvPicPr>
+        <p:blipFill rotWithShape="1">
+          <a:blip r:embed="rId6"/>
+          <a:srcRect l="967" t="4150" r="847" b="1439"/>
+          <a:stretch/>
+        </p:blipFill>
+        <p:spPr>
+          <a:xfrm>
+            <a:off x="6301107" y="4008552"/>
+            <a:ext cx="4770390" cy="2682805"/>
+          </a:xfrm>
+          <a:prstGeom prst="rect">
+            <a:avLst/>
+          </a:prstGeom>
+        </p:spPr>
+      </p:pic>
+    </p:spTree>
+    <p:extLst>
+      <p:ext uri="{BB962C8B-B14F-4D97-AF65-F5344CB8AC3E}">
+        <p14:creationId xmlns:p14="http://schemas.microsoft.com/office/powerpoint/2010/main" val="3833810080"/>
+      </p:ext>
+    </p:extLst>
+  </p:cSld>
+  <p:clrMapOvr>
+    <a:masterClrMapping/>
+  </p:clrMapOvr>
+  <p:timing>
+    <p:tnLst>
+      <p:par>
+        <p:cTn id="1" dur="indefinite" restart="never" nodeType="tmRoot"/>
+      </p:par>
+    </p:tnLst>
+  </p:timing>
+</p:sld>
+</file>
+
+<file path=ppt/slides/slide6.xml><?xml version="1.0" encoding="utf-8"?>
+<p:sld xmlns:a="http://schemas.openxmlformats.org/drawingml/2006/main" xmlns:r="http://schemas.openxmlformats.org/officeDocument/2006/relationships" xmlns:p="http://schemas.openxmlformats.org/presentationml/2006/main">
+  <p:cSld>
+    <p:spTree>
+      <p:nvGrpSpPr>
+        <p:cNvPr id="1" name=""/>
+        <p:cNvGrpSpPr/>
+        <p:nvPr/>
+      </p:nvGrpSpPr>
+      <p:grpSpPr>
+        <a:xfrm>
+          <a:off x="0" y="0"/>
+          <a:ext cx="0" cy="0"/>
+          <a:chOff x="0" y="0"/>
+          <a:chExt cx="0" cy="0"/>
+        </a:xfrm>
+      </p:grpSpPr>
+      <p:sp>
+        <p:nvSpPr>
+          <p:cNvPr id="2" name="Заголовок 1"/>
+          <p:cNvSpPr>
+            <a:spLocks noGrp="1"/>
+          </p:cNvSpPr>
+          <p:nvPr>
+            <p:ph type="ctrTitle"/>
+          </p:nvPr>
+        </p:nvSpPr>
+        <p:spPr/>
+        <p:txBody>
+          <a:bodyPr/>
+          <a:lstStyle/>
+          <a:p>
+            <a:r>
+              <a:rPr lang="ru-RU" dirty="0" smtClean="0">
+                <a:solidFill>
+                  <a:schemeClr val="bg1"/>
+                </a:solidFill>
+              </a:rPr>
+              <a:t>Игра «</a:t>
+            </a:r>
+            <a:r>
+              <a:rPr lang="en-US" dirty="0" smtClean="0">
+                <a:solidFill>
+                  <a:schemeClr val="bg1"/>
+                </a:solidFill>
+              </a:rPr>
+              <a:t>castle defense</a:t>
+            </a:r>
+            <a:r>
+              <a:rPr lang="ru-RU" dirty="0" smtClean="0">
+                <a:solidFill>
+                  <a:schemeClr val="bg1"/>
+                </a:solidFill>
+              </a:rPr>
+              <a:t>»</a:t>
+            </a:r>
+            <a:endParaRPr lang="ru-RU" dirty="0">
+              <a:solidFill>
+                <a:schemeClr val="bg1"/>
+              </a:solidFill>
+            </a:endParaRPr>
+          </a:p>
+        </p:txBody>
+      </p:sp>
+      <p:sp>
+        <p:nvSpPr>
+          <p:cNvPr id="3" name="Подзаголовок 2"/>
+          <p:cNvSpPr>
+            <a:spLocks noGrp="1"/>
+          </p:cNvSpPr>
+          <p:nvPr>
+            <p:ph type="subTitle" idx="1"/>
+          </p:nvPr>
+        </p:nvSpPr>
+        <p:spPr>
+          <a:xfrm>
+            <a:off x="76199" y="5259388"/>
+            <a:ext cx="6657975" cy="474662"/>
+          </a:xfrm>
+        </p:spPr>
+        <p:txBody>
+          <a:bodyPr/>
+          <a:lstStyle/>
+          <a:p>
+            <a:r>
+              <a:rPr lang="ru-RU" dirty="0" smtClean="0">
+                <a:solidFill>
+                  <a:schemeClr val="bg1"/>
+                </a:solidFill>
+              </a:rPr>
+              <a:t>Выполнили: Денисов Максим, Старостина Елена</a:t>
+            </a:r>
+            <a:endParaRPr lang="ru-RU" dirty="0">
+              <a:solidFill>
+                <a:schemeClr val="bg1"/>
+              </a:solidFill>
+            </a:endParaRPr>
+          </a:p>
+        </p:txBody>
+      </p:sp>
+      <p:sp>
+        <p:nvSpPr>
+          <p:cNvPr id="4" name="Прямоугольник 3"/>
+          <p:cNvSpPr/>
+          <p:nvPr/>
+        </p:nvSpPr>
+        <p:spPr>
+          <a:xfrm>
+            <a:off x="2228850" y="2006083"/>
+            <a:ext cx="7033031" cy="1015663"/>
+          </a:xfrm>
+          <a:prstGeom prst="rect">
+            <a:avLst/>
+          </a:prstGeom>
+        </p:spPr>
+        <p:txBody>
+          <a:bodyPr wrap="square">
+            <a:spAutoFit/>
+          </a:bodyPr>
+          <a:lstStyle/>
+          <a:p>
+            <a:r>
+              <a:rPr lang="ru-RU" sz="6000" dirty="0" smtClean="0">
+                <a:solidFill>
+                  <a:schemeClr val="bg1"/>
+                </a:solidFill>
+                <a:latin typeface="+mj-lt"/>
+              </a:rPr>
+              <a:t>Игра</a:t>
+            </a:r>
+            <a:r>
+              <a:rPr lang="en-US" sz="6000" dirty="0" smtClean="0">
+                <a:solidFill>
+                  <a:schemeClr val="bg1"/>
+                </a:solidFill>
+                <a:latin typeface="+mj-lt"/>
+              </a:rPr>
+              <a:t> “Castle Defense”</a:t>
+            </a:r>
+            <a:r>
+              <a:rPr lang="ru-RU" sz="6000" dirty="0" smtClean="0">
+                <a:solidFill>
+                  <a:schemeClr val="bg1"/>
+                </a:solidFill>
+                <a:latin typeface="+mj-lt"/>
+              </a:rPr>
+              <a:t> </a:t>
+            </a:r>
+            <a:endParaRPr lang="ru-RU" sz="6000" dirty="0">
+              <a:solidFill>
+                <a:schemeClr val="bg1"/>
+              </a:solidFill>
+              <a:latin typeface="+mj-lt"/>
+            </a:endParaRPr>
+          </a:p>
+        </p:txBody>
+      </p:sp>
+      <p:sp>
+        <p:nvSpPr>
+          <p:cNvPr id="6" name="Прямоугольник 5"/>
+          <p:cNvSpPr/>
+          <p:nvPr/>
+        </p:nvSpPr>
+        <p:spPr>
+          <a:xfrm>
+            <a:off x="76199" y="5312053"/>
+            <a:ext cx="4962897" cy="369332"/>
+          </a:xfrm>
+          <a:prstGeom prst="rect">
+            <a:avLst/>
+          </a:prstGeom>
+        </p:spPr>
+        <p:txBody>
+          <a:bodyPr wrap="none">
+            <a:spAutoFit/>
+          </a:bodyPr>
+          <a:lstStyle/>
+          <a:p>
+            <a:r>
+              <a:rPr lang="ru-RU" dirty="0" smtClean="0">
+                <a:solidFill>
+                  <a:schemeClr val="bg1"/>
+                </a:solidFill>
+              </a:rPr>
+              <a:t>Выполнили: Денисов Максим, Старостина Елена</a:t>
+            </a:r>
+            <a:endParaRPr lang="ru-RU" dirty="0"/>
+          </a:p>
+        </p:txBody>
+      </p:sp>
+      <p:pic>
+        <p:nvPicPr>
+          <p:cNvPr id="3076" name="Picture 4" descr="https://phonoteka.org/uploads/posts/2021-05/1620169927_28-phonoteka_org-p-fon-dlya-prezentatsii-kubiki-32.jpg"/>
+          <p:cNvPicPr>
+            <a:picLocks noChangeAspect="1" noChangeArrowheads="1"/>
+          </p:cNvPicPr>
+          <p:nvPr/>
+        </p:nvPicPr>
+        <p:blipFill>
+          <a:blip r:embed="rId2">
+            <a:extLst>
+              <a:ext uri="{28A0092B-C50C-407E-A947-70E740481C1C}">
+                <a14:useLocalDpi xmlns:a14="http://schemas.microsoft.com/office/drawing/2010/main" val="0"/>
+              </a:ext>
+            </a:extLst>
+          </a:blip>
+          <a:srcRect/>
+          <a:stretch>
+            <a:fillRect/>
+          </a:stretch>
+        </p:blipFill>
+        <p:spPr bwMode="auto">
+          <a:xfrm>
+            <a:off x="2" y="-16729"/>
+            <a:ext cx="12191998" cy="6874729"/>
+          </a:xfrm>
+          <a:prstGeom prst="rect">
+            <a:avLst/>
+          </a:prstGeom>
+          <a:noFill/>
+          <a:extLst>
+            <a:ext uri="{909E8E84-426E-40DD-AFC4-6F175D3DCCD1}">
+              <a14:hiddenFill xmlns:a14="http://schemas.microsoft.com/office/drawing/2010/main">
+                <a:solidFill>
+                  <a:srgbClr val="FFFFFF"/>
+                </a:solidFill>
+              </a14:hiddenFill>
+            </a:ext>
+          </a:extLst>
+        </p:spPr>
+      </p:pic>
+      <p:sp>
+        <p:nvSpPr>
+          <p:cNvPr id="5" name="Прямоугольник 4"/>
+          <p:cNvSpPr/>
+          <p:nvPr/>
+        </p:nvSpPr>
+        <p:spPr>
+          <a:xfrm>
+            <a:off x="0" y="0"/>
+            <a:ext cx="12191999" cy="1107996"/>
+          </a:xfrm>
+          <a:prstGeom prst="rect">
+            <a:avLst/>
+          </a:prstGeom>
+        </p:spPr>
+        <p:txBody>
+          <a:bodyPr wrap="square">
+            <a:spAutoFit/>
+          </a:bodyPr>
+          <a:lstStyle/>
+          <a:p>
+            <a:pPr algn="ctr"/>
+            <a:r>
+              <a:rPr lang="ru-RU" sz="6600" dirty="0" smtClean="0">
+                <a:latin typeface="Arial Black" panose="020B0A04020102020204" pitchFamily="34" charset="0"/>
+              </a:rPr>
+              <a:t>Уровень:</a:t>
+            </a:r>
+            <a:endParaRPr lang="ru-RU" sz="6600" dirty="0">
+              <a:latin typeface="Arial Black" panose="020B0A04020102020204" pitchFamily="34" charset="0"/>
+            </a:endParaRPr>
+          </a:p>
+        </p:txBody>
+      </p:sp>
+      <p:pic>
+        <p:nvPicPr>
+          <p:cNvPr id="13" name="Рисунок 12"/>
+          <p:cNvPicPr>
+            <a:picLocks noChangeAspect="1"/>
+          </p:cNvPicPr>
+          <p:nvPr/>
+        </p:nvPicPr>
+        <p:blipFill rotWithShape="1">
+          <a:blip r:embed="rId3"/>
+          <a:srcRect l="732" t="4795" r="783" b="1121"/>
+          <a:stretch/>
+        </p:blipFill>
+        <p:spPr>
+          <a:xfrm>
+            <a:off x="233621" y="1122363"/>
+            <a:ext cx="4805475" cy="2682092"/>
+          </a:xfrm>
+          <a:prstGeom prst="rect">
+            <a:avLst/>
+          </a:prstGeom>
+        </p:spPr>
+      </p:pic>
+      <p:pic>
+        <p:nvPicPr>
+          <p:cNvPr id="8" name="Рисунок 7"/>
+          <p:cNvPicPr>
+            <a:picLocks noChangeAspect="1"/>
+          </p:cNvPicPr>
+          <p:nvPr/>
+        </p:nvPicPr>
+        <p:blipFill rotWithShape="1">
+          <a:blip r:embed="rId4"/>
+          <a:srcRect l="466" t="3882" r="685" b="1164"/>
+          <a:stretch/>
+        </p:blipFill>
+        <p:spPr>
+          <a:xfrm>
+            <a:off x="6301107" y="1074094"/>
+            <a:ext cx="4770390" cy="2680183"/>
+          </a:xfrm>
+          <a:prstGeom prst="rect">
+            <a:avLst/>
+          </a:prstGeom>
+        </p:spPr>
+      </p:pic>
+      <p:pic>
+        <p:nvPicPr>
+          <p:cNvPr id="9" name="Рисунок 8"/>
+          <p:cNvPicPr>
+            <a:picLocks noChangeAspect="1"/>
+          </p:cNvPicPr>
+          <p:nvPr/>
+        </p:nvPicPr>
+        <p:blipFill rotWithShape="1">
+          <a:blip r:embed="rId5"/>
+          <a:srcRect l="652" t="3919" r="829" b="913"/>
+          <a:stretch/>
+        </p:blipFill>
+        <p:spPr>
+          <a:xfrm>
+            <a:off x="233621" y="3973203"/>
+            <a:ext cx="4811044" cy="2718154"/>
+          </a:xfrm>
+          <a:prstGeom prst="rect">
+            <a:avLst/>
+          </a:prstGeom>
+        </p:spPr>
+      </p:pic>
+      <p:pic>
+        <p:nvPicPr>
+          <p:cNvPr id="11" name="Рисунок 10"/>
+          <p:cNvPicPr>
+            <a:picLocks noChangeAspect="1"/>
+          </p:cNvPicPr>
+          <p:nvPr/>
+        </p:nvPicPr>
+        <p:blipFill rotWithShape="1">
+          <a:blip r:embed="rId6"/>
+          <a:srcRect l="656" t="3979" r="694" b="1431"/>
+          <a:stretch/>
+        </p:blipFill>
+        <p:spPr>
+          <a:xfrm>
+            <a:off x="6301106" y="4016127"/>
+            <a:ext cx="4770391" cy="2675230"/>
+          </a:xfrm>
+          <a:prstGeom prst="rect">
+            <a:avLst/>
+          </a:prstGeom>
+        </p:spPr>
+      </p:pic>
+    </p:spTree>
+    <p:extLst>
+      <p:ext uri="{BB962C8B-B14F-4D97-AF65-F5344CB8AC3E}">
+        <p14:creationId xmlns:p14="http://schemas.microsoft.com/office/powerpoint/2010/main" val="3941770037"/>
+      </p:ext>
+    </p:extLst>
+  </p:cSld>
+  <p:clrMapOvr>
+    <a:masterClrMapping/>
+  </p:clrMapOvr>
+  <p:timing>
+    <p:tnLst>
+      <p:par>
+        <p:cTn id="1" dur="indefinite" restart="never" nodeType="tmRoot"/>
+      </p:par>
+    </p:tnLst>
+  </p:timing>
+</p:sld>
+</file>
+
+<file path=ppt/slides/slide7.xml><?xml version="1.0" encoding="utf-8"?>
+<p:sld xmlns:a="http://schemas.openxmlformats.org/drawingml/2006/main" xmlns:r="http://schemas.openxmlformats.org/officeDocument/2006/relationships" xmlns:p="http://schemas.openxmlformats.org/presentationml/2006/main">
+  <p:cSld>
+    <p:spTree>
+      <p:nvGrpSpPr>
+        <p:cNvPr id="1" name=""/>
+        <p:cNvGrpSpPr/>
+        <p:nvPr/>
+      </p:nvGrpSpPr>
+      <p:grpSpPr>
+        <a:xfrm>
+          <a:off x="0" y="0"/>
+          <a:ext cx="0" cy="0"/>
+          <a:chOff x="0" y="0"/>
+          <a:chExt cx="0" cy="0"/>
+        </a:xfrm>
+      </p:grpSpPr>
+      <p:sp>
+        <p:nvSpPr>
+          <p:cNvPr id="2" name="Заголовок 1"/>
+          <p:cNvSpPr>
+            <a:spLocks noGrp="1"/>
+          </p:cNvSpPr>
+          <p:nvPr>
+            <p:ph type="ctrTitle"/>
+          </p:nvPr>
+        </p:nvSpPr>
+        <p:spPr/>
+        <p:txBody>
+          <a:bodyPr/>
+          <a:lstStyle/>
+          <a:p>
+            <a:r>
+              <a:rPr lang="ru-RU" dirty="0" smtClean="0">
+                <a:solidFill>
+                  <a:schemeClr val="bg1"/>
+                </a:solidFill>
+              </a:rPr>
+              <a:t>Игра «</a:t>
+            </a:r>
+            <a:r>
+              <a:rPr lang="en-US" dirty="0" smtClean="0">
+                <a:solidFill>
+                  <a:schemeClr val="bg1"/>
+                </a:solidFill>
+              </a:rPr>
+              <a:t>castle defense</a:t>
+            </a:r>
+            <a:r>
+              <a:rPr lang="ru-RU" dirty="0" smtClean="0">
+                <a:solidFill>
+                  <a:schemeClr val="bg1"/>
+                </a:solidFill>
+              </a:rPr>
+              <a:t>»</a:t>
+            </a:r>
+            <a:endParaRPr lang="ru-RU" dirty="0">
+              <a:solidFill>
+                <a:schemeClr val="bg1"/>
+              </a:solidFill>
+            </a:endParaRPr>
+          </a:p>
+        </p:txBody>
+      </p:sp>
+      <p:sp>
+        <p:nvSpPr>
+          <p:cNvPr id="3" name="Подзаголовок 2"/>
+          <p:cNvSpPr>
+            <a:spLocks noGrp="1"/>
+          </p:cNvSpPr>
+          <p:nvPr>
+            <p:ph type="subTitle" idx="1"/>
+          </p:nvPr>
+        </p:nvSpPr>
+        <p:spPr>
+          <a:xfrm>
+            <a:off x="76199" y="5259388"/>
+            <a:ext cx="6657975" cy="474662"/>
+          </a:xfrm>
+        </p:spPr>
+        <p:txBody>
+          <a:bodyPr/>
+          <a:lstStyle/>
+          <a:p>
+            <a:r>
+              <a:rPr lang="ru-RU" dirty="0" smtClean="0">
+                <a:solidFill>
+                  <a:schemeClr val="bg1"/>
+                </a:solidFill>
+              </a:rPr>
+              <a:t>Выполнили: Денисов Максим, Старостина Елена</a:t>
+            </a:r>
+            <a:endParaRPr lang="ru-RU" dirty="0">
+              <a:solidFill>
+                <a:schemeClr val="bg1"/>
+              </a:solidFill>
+            </a:endParaRPr>
+          </a:p>
+        </p:txBody>
+      </p:sp>
+      <p:sp>
+        <p:nvSpPr>
+          <p:cNvPr id="4" name="Прямоугольник 3"/>
+          <p:cNvSpPr/>
+          <p:nvPr/>
+        </p:nvSpPr>
+        <p:spPr>
+          <a:xfrm>
+            <a:off x="2228850" y="2006083"/>
+            <a:ext cx="7033031" cy="1015663"/>
+          </a:xfrm>
+          <a:prstGeom prst="rect">
+            <a:avLst/>
+          </a:prstGeom>
+        </p:spPr>
+        <p:txBody>
+          <a:bodyPr wrap="square">
+            <a:spAutoFit/>
+          </a:bodyPr>
+          <a:lstStyle/>
+          <a:p>
+            <a:r>
+              <a:rPr lang="ru-RU" sz="6000" dirty="0" smtClean="0">
+                <a:solidFill>
+                  <a:schemeClr val="bg1"/>
+                </a:solidFill>
+                <a:latin typeface="+mj-lt"/>
+              </a:rPr>
+              <a:t>Игра</a:t>
+            </a:r>
+            <a:r>
+              <a:rPr lang="en-US" sz="6000" dirty="0" smtClean="0">
+                <a:solidFill>
+                  <a:schemeClr val="bg1"/>
+                </a:solidFill>
+                <a:latin typeface="+mj-lt"/>
+              </a:rPr>
+              <a:t> “Castle Defense”</a:t>
+            </a:r>
+            <a:r>
+              <a:rPr lang="ru-RU" sz="6000" dirty="0" smtClean="0">
+                <a:solidFill>
+                  <a:schemeClr val="bg1"/>
+                </a:solidFill>
+                <a:latin typeface="+mj-lt"/>
+              </a:rPr>
+              <a:t> </a:t>
+            </a:r>
+            <a:endParaRPr lang="ru-RU" sz="6000" dirty="0">
+              <a:solidFill>
+                <a:schemeClr val="bg1"/>
+              </a:solidFill>
+              <a:latin typeface="+mj-lt"/>
+            </a:endParaRPr>
+          </a:p>
+        </p:txBody>
+      </p:sp>
+      <p:sp>
+        <p:nvSpPr>
+          <p:cNvPr id="6" name="Прямоугольник 5"/>
+          <p:cNvSpPr/>
+          <p:nvPr/>
+        </p:nvSpPr>
+        <p:spPr>
+          <a:xfrm>
+            <a:off x="76199" y="5312053"/>
+            <a:ext cx="4962897" cy="369332"/>
+          </a:xfrm>
+          <a:prstGeom prst="rect">
+            <a:avLst/>
+          </a:prstGeom>
+        </p:spPr>
+        <p:txBody>
+          <a:bodyPr wrap="none">
+            <a:spAutoFit/>
+          </a:bodyPr>
+          <a:lstStyle/>
+          <a:p>
+            <a:r>
+              <a:rPr lang="ru-RU" dirty="0" smtClean="0">
+                <a:solidFill>
+                  <a:schemeClr val="bg1"/>
+                </a:solidFill>
+              </a:rPr>
+              <a:t>Выполнили: Денисов Максим, Старостина Елена</a:t>
+            </a:r>
+            <a:endParaRPr lang="ru-RU" dirty="0"/>
+          </a:p>
+        </p:txBody>
+      </p:sp>
+      <p:pic>
+        <p:nvPicPr>
+          <p:cNvPr id="3076" name="Picture 4" descr="https://phonoteka.org/uploads/posts/2021-05/1620169927_28-phonoteka_org-p-fon-dlya-prezentatsii-kubiki-32.jpg"/>
+          <p:cNvPicPr>
+            <a:picLocks noChangeAspect="1" noChangeArrowheads="1"/>
+          </p:cNvPicPr>
+          <p:nvPr/>
+        </p:nvPicPr>
+        <p:blipFill>
+          <a:blip r:embed="rId2">
+            <a:extLst>
+              <a:ext uri="{28A0092B-C50C-407E-A947-70E740481C1C}">
+                <a14:useLocalDpi xmlns:a14="http://schemas.microsoft.com/office/drawing/2010/main" val="0"/>
+              </a:ext>
+            </a:extLst>
+          </a:blip>
+          <a:srcRect/>
+          <a:stretch>
+            <a:fillRect/>
+          </a:stretch>
+        </p:blipFill>
+        <p:spPr bwMode="auto">
+          <a:xfrm>
+            <a:off x="0" y="1"/>
+            <a:ext cx="12191998" cy="6857999"/>
+          </a:xfrm>
+          <a:prstGeom prst="rect">
+            <a:avLst/>
+          </a:prstGeom>
+          <a:noFill/>
+          <a:extLst>
+            <a:ext uri="{909E8E84-426E-40DD-AFC4-6F175D3DCCD1}">
+              <a14:hiddenFill xmlns:a14="http://schemas.microsoft.com/office/drawing/2010/main">
+                <a:solidFill>
+                  <a:srgbClr val="FFFFFF"/>
+                </a:solidFill>
+              </a14:hiddenFill>
+            </a:ext>
+          </a:extLst>
+        </p:spPr>
+      </p:pic>
+      <p:sp>
+        <p:nvSpPr>
           <p:cNvPr id="7" name="Прямоугольник 6"/>
           <p:cNvSpPr/>
           <p:nvPr/>
@@ -5123,7 +5918,7 @@
         <p:spPr>
           <a:xfrm>
             <a:off x="0" y="225424"/>
-            <a:ext cx="12191998" cy="1107996"/>
+            <a:ext cx="12191998" cy="4093428"/>
           </a:xfrm>
           <a:prstGeom prst="rect">
             <a:avLst/>
@@ -5138,80 +5933,52 @@
             <a:pPr algn="ctr"/>
             <a:r>
               <a:rPr lang="ru-RU" sz="6600" dirty="0" smtClean="0"/>
-              <a:t>Итоги</a:t>
-            </a:r>
-            <a:endParaRPr lang="ru-RU" sz="6600" dirty="0"/>
-          </a:p>
-        </p:txBody>
-      </p:sp>
-      <p:sp>
-        <p:nvSpPr>
-          <p:cNvPr id="9" name="Прямоугольник 8"/>
-          <p:cNvSpPr/>
-          <p:nvPr/>
-        </p:nvSpPr>
-        <p:spPr>
-          <a:xfrm>
-            <a:off x="390524" y="1683027"/>
-            <a:ext cx="3971926" cy="738664"/>
-          </a:xfrm>
-          <a:prstGeom prst="rect">
-            <a:avLst/>
-          </a:prstGeom>
-        </p:spPr>
-        <p:txBody>
-          <a:bodyPr wrap="square">
-            <a:spAutoFit/>
-          </a:bodyPr>
-          <a:lstStyle/>
+              <a:t>Планируемые обновления</a:t>
+            </a:r>
+          </a:p>
           <a:p>
             <a:pPr algn="ctr"/>
-            <a:r>
-              <a:rPr lang="ru-RU" sz="2400" b="1" dirty="0" smtClean="0"/>
-              <a:t>Было сделано:</a:t>
-            </a:r>
-          </a:p>
-          <a:p>
-            <a:endParaRPr lang="ru-RU" dirty="0"/>
-          </a:p>
-        </p:txBody>
-      </p:sp>
-      <p:sp>
-        <p:nvSpPr>
-          <p:cNvPr id="5" name="Прямоугольник 4"/>
-          <p:cNvSpPr/>
-          <p:nvPr/>
-        </p:nvSpPr>
-        <p:spPr>
-          <a:xfrm>
-            <a:off x="6657975" y="1683027"/>
-            <a:ext cx="4010025" cy="1107996"/>
-          </a:xfrm>
-          <a:prstGeom prst="rect">
-            <a:avLst/>
-          </a:prstGeom>
-        </p:spPr>
-        <p:txBody>
-          <a:bodyPr wrap="square">
-            <a:spAutoFit/>
-          </a:bodyPr>
-          <a:lstStyle/>
-          <a:p>
-            <a:pPr algn="ctr"/>
-            <a:r>
-              <a:rPr lang="ru-RU" sz="2400" b="1" dirty="0" smtClean="0"/>
-              <a:t>Будет добавлено:</a:t>
-            </a:r>
-          </a:p>
-          <a:p>
-            <a:pPr marL="342900" indent="-342900">
+            <a:endParaRPr lang="ru-RU" sz="6600" dirty="0" smtClean="0"/>
+          </a:p>
+          <a:p>
+            <a:pPr marL="857250" indent="-857250" algn="ctr">
               <a:buFont typeface="Arial" panose="020B0604020202020204" pitchFamily="34" charset="0"/>
               <a:buChar char="•"/>
             </a:pPr>
-            <a:endParaRPr lang="ru-RU" sz="2400" dirty="0" smtClean="0"/>
-          </a:p>
-          <a:p>
-            <a:endParaRPr lang="ru-RU" dirty="0"/>
+            <a:r>
+              <a:rPr lang="ru-RU" sz="3200" dirty="0" smtClean="0"/>
+              <a:t>Добавление звуков</a:t>
+            </a:r>
+          </a:p>
+          <a:p>
+            <a:pPr marL="857250" indent="-857250" algn="ctr">
+              <a:buFont typeface="Arial" panose="020B0604020202020204" pitchFamily="34" charset="0"/>
+              <a:buChar char="•"/>
+            </a:pPr>
+            <a:r>
+              <a:rPr lang="ru-RU" sz="3200" dirty="0" smtClean="0"/>
+              <a:t>Возможность смены локации</a:t>
+            </a:r>
+          </a:p>
+          <a:p>
+            <a:pPr marL="857250" indent="-857250" algn="ctr">
+              <a:buFont typeface="Arial" panose="020B0604020202020204" pitchFamily="34" charset="0"/>
+              <a:buChar char="•"/>
+            </a:pPr>
+            <a:r>
+              <a:rPr lang="ru-RU" sz="3200" dirty="0" smtClean="0"/>
+              <a:t>Добавление новых видов врагов</a:t>
+            </a:r>
+          </a:p>
+          <a:p>
+            <a:pPr marL="857250" indent="-857250" algn="ctr">
+              <a:buFont typeface="Arial" panose="020B0604020202020204" pitchFamily="34" charset="0"/>
+              <a:buChar char="•"/>
+            </a:pPr>
+            <a:r>
+              <a:rPr lang="ru-RU" sz="3200" dirty="0" smtClean="0"/>
+              <a:t>Сделать настройки</a:t>
+            </a:r>
           </a:p>
         </p:txBody>
       </p:sp>
@@ -5219,6 +5986,286 @@
     <p:extLst>
       <p:ext uri="{BB962C8B-B14F-4D97-AF65-F5344CB8AC3E}">
         <p14:creationId xmlns:p14="http://schemas.microsoft.com/office/powerpoint/2010/main" val="4125881076"/>
+      </p:ext>
+    </p:extLst>
+  </p:cSld>
+  <p:clrMapOvr>
+    <a:masterClrMapping/>
+  </p:clrMapOvr>
+  <p:timing>
+    <p:tnLst>
+      <p:par>
+        <p:cTn id="1" dur="indefinite" restart="never" nodeType="tmRoot"/>
+      </p:par>
+    </p:tnLst>
+  </p:timing>
+</p:sld>
+</file>
+
+<file path=ppt/slides/slide8.xml><?xml version="1.0" encoding="utf-8"?>
+<p:sld xmlns:a="http://schemas.openxmlformats.org/drawingml/2006/main" xmlns:r="http://schemas.openxmlformats.org/officeDocument/2006/relationships" xmlns:p="http://schemas.openxmlformats.org/presentationml/2006/main">
+  <p:cSld>
+    <p:spTree>
+      <p:nvGrpSpPr>
+        <p:cNvPr id="1" name=""/>
+        <p:cNvGrpSpPr/>
+        <p:nvPr/>
+      </p:nvGrpSpPr>
+      <p:grpSpPr>
+        <a:xfrm>
+          <a:off x="0" y="0"/>
+          <a:ext cx="0" cy="0"/>
+          <a:chOff x="0" y="0"/>
+          <a:chExt cx="0" cy="0"/>
+        </a:xfrm>
+      </p:grpSpPr>
+      <p:sp>
+        <p:nvSpPr>
+          <p:cNvPr id="2" name="Заголовок 1"/>
+          <p:cNvSpPr>
+            <a:spLocks noGrp="1"/>
+          </p:cNvSpPr>
+          <p:nvPr>
+            <p:ph type="ctrTitle"/>
+          </p:nvPr>
+        </p:nvSpPr>
+        <p:spPr/>
+        <p:txBody>
+          <a:bodyPr/>
+          <a:lstStyle/>
+          <a:p>
+            <a:r>
+              <a:rPr lang="ru-RU" dirty="0" smtClean="0">
+                <a:solidFill>
+                  <a:schemeClr val="bg1"/>
+                </a:solidFill>
+              </a:rPr>
+              <a:t>Игра «</a:t>
+            </a:r>
+            <a:r>
+              <a:rPr lang="en-US" dirty="0" smtClean="0">
+                <a:solidFill>
+                  <a:schemeClr val="bg1"/>
+                </a:solidFill>
+              </a:rPr>
+              <a:t>castle defense</a:t>
+            </a:r>
+            <a:r>
+              <a:rPr lang="ru-RU" dirty="0" smtClean="0">
+                <a:solidFill>
+                  <a:schemeClr val="bg1"/>
+                </a:solidFill>
+              </a:rPr>
+              <a:t>»</a:t>
+            </a:r>
+            <a:endParaRPr lang="ru-RU" dirty="0">
+              <a:solidFill>
+                <a:schemeClr val="bg1"/>
+              </a:solidFill>
+            </a:endParaRPr>
+          </a:p>
+        </p:txBody>
+      </p:sp>
+      <p:sp>
+        <p:nvSpPr>
+          <p:cNvPr id="3" name="Подзаголовок 2"/>
+          <p:cNvSpPr>
+            <a:spLocks noGrp="1"/>
+          </p:cNvSpPr>
+          <p:nvPr>
+            <p:ph type="subTitle" idx="1"/>
+          </p:nvPr>
+        </p:nvSpPr>
+        <p:spPr>
+          <a:xfrm>
+            <a:off x="76199" y="5259388"/>
+            <a:ext cx="6657975" cy="474662"/>
+          </a:xfrm>
+        </p:spPr>
+        <p:txBody>
+          <a:bodyPr/>
+          <a:lstStyle/>
+          <a:p>
+            <a:r>
+              <a:rPr lang="ru-RU" dirty="0" smtClean="0">
+                <a:solidFill>
+                  <a:schemeClr val="bg1"/>
+                </a:solidFill>
+              </a:rPr>
+              <a:t>Выполнили: Денисов Максим, Старостина Елена</a:t>
+            </a:r>
+            <a:endParaRPr lang="ru-RU" dirty="0">
+              <a:solidFill>
+                <a:schemeClr val="bg1"/>
+              </a:solidFill>
+            </a:endParaRPr>
+          </a:p>
+        </p:txBody>
+      </p:sp>
+      <p:sp>
+        <p:nvSpPr>
+          <p:cNvPr id="4" name="Прямоугольник 3"/>
+          <p:cNvSpPr/>
+          <p:nvPr/>
+        </p:nvSpPr>
+        <p:spPr>
+          <a:xfrm>
+            <a:off x="2228850" y="2006083"/>
+            <a:ext cx="7033031" cy="1015663"/>
+          </a:xfrm>
+          <a:prstGeom prst="rect">
+            <a:avLst/>
+          </a:prstGeom>
+        </p:spPr>
+        <p:txBody>
+          <a:bodyPr wrap="square">
+            <a:spAutoFit/>
+          </a:bodyPr>
+          <a:lstStyle/>
+          <a:p>
+            <a:r>
+              <a:rPr lang="ru-RU" sz="6000" dirty="0" smtClean="0">
+                <a:solidFill>
+                  <a:schemeClr val="bg1"/>
+                </a:solidFill>
+                <a:latin typeface="+mj-lt"/>
+              </a:rPr>
+              <a:t>Игра</a:t>
+            </a:r>
+            <a:r>
+              <a:rPr lang="en-US" sz="6000" dirty="0" smtClean="0">
+                <a:solidFill>
+                  <a:schemeClr val="bg1"/>
+                </a:solidFill>
+                <a:latin typeface="+mj-lt"/>
+              </a:rPr>
+              <a:t> “Castle Defense”</a:t>
+            </a:r>
+            <a:r>
+              <a:rPr lang="ru-RU" sz="6000" dirty="0" smtClean="0">
+                <a:solidFill>
+                  <a:schemeClr val="bg1"/>
+                </a:solidFill>
+                <a:latin typeface="+mj-lt"/>
+              </a:rPr>
+              <a:t> </a:t>
+            </a:r>
+            <a:endParaRPr lang="ru-RU" sz="6000" dirty="0">
+              <a:solidFill>
+                <a:schemeClr val="bg1"/>
+              </a:solidFill>
+              <a:latin typeface="+mj-lt"/>
+            </a:endParaRPr>
+          </a:p>
+        </p:txBody>
+      </p:sp>
+      <p:sp>
+        <p:nvSpPr>
+          <p:cNvPr id="6" name="Прямоугольник 5"/>
+          <p:cNvSpPr/>
+          <p:nvPr/>
+        </p:nvSpPr>
+        <p:spPr>
+          <a:xfrm>
+            <a:off x="76199" y="5312053"/>
+            <a:ext cx="4962897" cy="369332"/>
+          </a:xfrm>
+          <a:prstGeom prst="rect">
+            <a:avLst/>
+          </a:prstGeom>
+        </p:spPr>
+        <p:txBody>
+          <a:bodyPr wrap="none">
+            <a:spAutoFit/>
+          </a:bodyPr>
+          <a:lstStyle/>
+          <a:p>
+            <a:r>
+              <a:rPr lang="ru-RU" dirty="0" smtClean="0">
+                <a:solidFill>
+                  <a:schemeClr val="bg1"/>
+                </a:solidFill>
+              </a:rPr>
+              <a:t>Выполнили: Денисов Максим, Старостина Елена</a:t>
+            </a:r>
+            <a:endParaRPr lang="ru-RU" dirty="0"/>
+          </a:p>
+        </p:txBody>
+      </p:sp>
+      <p:pic>
+        <p:nvPicPr>
+          <p:cNvPr id="3076" name="Picture 4" descr="https://phonoteka.org/uploads/posts/2021-05/1620169927_28-phonoteka_org-p-fon-dlya-prezentatsii-kubiki-32.jpg"/>
+          <p:cNvPicPr>
+            <a:picLocks noChangeAspect="1" noChangeArrowheads="1"/>
+          </p:cNvPicPr>
+          <p:nvPr/>
+        </p:nvPicPr>
+        <p:blipFill>
+          <a:blip r:embed="rId2">
+            <a:extLst>
+              <a:ext uri="{28A0092B-C50C-407E-A947-70E740481C1C}">
+                <a14:useLocalDpi xmlns:a14="http://schemas.microsoft.com/office/drawing/2010/main" val="0"/>
+              </a:ext>
+            </a:extLst>
+          </a:blip>
+          <a:srcRect/>
+          <a:stretch>
+            <a:fillRect/>
+          </a:stretch>
+        </p:blipFill>
+        <p:spPr bwMode="auto">
+          <a:xfrm>
+            <a:off x="0" y="1"/>
+            <a:ext cx="12191998" cy="6857999"/>
+          </a:xfrm>
+          <a:prstGeom prst="rect">
+            <a:avLst/>
+          </a:prstGeom>
+          <a:noFill/>
+          <a:extLst>
+            <a:ext uri="{909E8E84-426E-40DD-AFC4-6F175D3DCCD1}">
+              <a14:hiddenFill xmlns:a14="http://schemas.microsoft.com/office/drawing/2010/main">
+                <a:solidFill>
+                  <a:srgbClr val="FFFFFF"/>
+                </a:solidFill>
+              </a14:hiddenFill>
+            </a:ext>
+          </a:extLst>
+        </p:spPr>
+      </p:pic>
+      <p:sp>
+        <p:nvSpPr>
+          <p:cNvPr id="7" name="Прямоугольник 6"/>
+          <p:cNvSpPr/>
+          <p:nvPr/>
+        </p:nvSpPr>
+        <p:spPr>
+          <a:xfrm>
+            <a:off x="76199" y="2767280"/>
+            <a:ext cx="12115801" cy="1323439"/>
+          </a:xfrm>
+          <a:prstGeom prst="rect">
+            <a:avLst/>
+          </a:prstGeom>
+        </p:spPr>
+        <p:txBody>
+          <a:bodyPr wrap="square">
+            <a:spAutoFit/>
+          </a:bodyPr>
+          <a:lstStyle/>
+          <a:p>
+            <a:pPr algn="ctr"/>
+            <a:r>
+              <a:rPr lang="ru-RU" sz="8000" dirty="0" smtClean="0"/>
+              <a:t>Спасибо за внимание!</a:t>
+            </a:r>
+          </a:p>
+        </p:txBody>
+      </p:sp>
+    </p:spTree>
+    <p:extLst>
+      <p:ext uri="{BB962C8B-B14F-4D97-AF65-F5344CB8AC3E}">
+        <p14:creationId xmlns:p14="http://schemas.microsoft.com/office/powerpoint/2010/main" val="486817317"/>
       </p:ext>
     </p:extLst>
   </p:cSld>

--- a/Презентация.pptx
+++ b/Презентация.pptx
@@ -3214,11 +3214,7 @@
             <a:pPr algn="ctr"/>
             <a:r>
               <a:rPr lang="ru-RU" sz="6600" dirty="0" smtClean="0"/>
-              <a:t>Игра </a:t>
-            </a:r>
-            <a:r>
-              <a:rPr lang="ru-RU" sz="6600" dirty="0" smtClean="0"/>
-              <a:t>«</a:t>
+              <a:t>Игра «</a:t>
             </a:r>
             <a:r>
               <a:rPr lang="en-US" sz="6600" dirty="0" smtClean="0"/>
@@ -3580,7 +3576,7 @@
         <p:spPr>
           <a:xfrm>
             <a:off x="390524" y="1683027"/>
-            <a:ext cx="11410950" cy="1754326"/>
+            <a:ext cx="11410950" cy="1200329"/>
           </a:xfrm>
           <a:prstGeom prst="rect">
             <a:avLst/>
@@ -3610,32 +3606,29 @@
             </a:r>
             <a:r>
               <a:rPr lang="ru-RU" dirty="0" smtClean="0"/>
-              <a:t>, с различными уровнями и достижениями</a:t>
-            </a:r>
-            <a:r>
-              <a:rPr lang="ru-RU" dirty="0"/>
-              <a:t>. </a:t>
+              <a:t>, с различными уровнями и </a:t>
             </a:r>
             <a:r>
               <a:rPr lang="ru-RU" dirty="0" smtClean="0"/>
-              <a:t>«Злые </a:t>
-            </a:r>
-            <a:r>
-              <a:rPr lang="ru-RU" dirty="0"/>
-              <a:t>монстры напали на </a:t>
+              <a:t>достижениями, а также приятной пиксельной графикой нарисованной специально для игры. В </a:t>
             </a:r>
             <a:r>
               <a:rPr lang="ru-RU" dirty="0" smtClean="0"/>
-              <a:t>замок. </a:t>
-            </a:r>
-            <a:r>
-              <a:rPr lang="ru-RU" dirty="0"/>
-              <a:t>Ваша задача не дать им проникнуть внутрь</a:t>
+              <a:t>игре присутствуют 5 уровней различной сложности, 3 вида башен </a:t>
             </a:r>
             <a:r>
               <a:rPr lang="ru-RU" dirty="0" smtClean="0"/>
-              <a:t>.» В игре присутствуют 5 уровней различной сложности, 3 вида башен и  5 видов врагов. Враги идут волнами, с каждой волной они быстрее появляются и их количество увеличивается. При прохождении уровня игроку будет предоставлено окно с его статистикой. Помимо этого игрок может посмотреть свои достижения в главном меню. Также в любой момент пользователь может поставить игру на паузу.</a:t>
-            </a:r>
+              <a:t>и </a:t>
+            </a:r>
+            <a:r>
+              <a:rPr lang="ru-RU" dirty="0" smtClean="0"/>
+              <a:t>5 видов врагов. Враги идут волнами, с каждой волной они быстрее появляются и их количество увеличивается</a:t>
+            </a:r>
+            <a:r>
+              <a:rPr lang="ru-RU" dirty="0" smtClean="0"/>
+              <a:t>.</a:t>
+            </a:r>
+            <a:endParaRPr lang="ru-RU" dirty="0" smtClean="0"/>
           </a:p>
         </p:txBody>
       </p:sp>
@@ -5918,7 +5911,7 @@
         <p:spPr>
           <a:xfrm>
             <a:off x="0" y="225424"/>
-            <a:ext cx="12191998" cy="4093428"/>
+            <a:ext cx="12191998" cy="1107996"/>
           </a:xfrm>
           <a:prstGeom prst="rect">
             <a:avLst/>
@@ -5933,50 +5926,73 @@
             <a:pPr algn="ctr"/>
             <a:r>
               <a:rPr lang="ru-RU" sz="6600" dirty="0" smtClean="0"/>
-              <a:t>Планируемые обновления</a:t>
-            </a:r>
-          </a:p>
-          <a:p>
-            <a:pPr algn="ctr"/>
-            <a:endParaRPr lang="ru-RU" sz="6600" dirty="0" smtClean="0"/>
-          </a:p>
-          <a:p>
-            <a:pPr marL="857250" indent="-857250" algn="ctr">
+              <a:t>Планируемые </a:t>
+            </a:r>
+            <a:r>
+              <a:rPr lang="ru-RU" sz="6600" dirty="0" smtClean="0"/>
+              <a:t>обновления</a:t>
+            </a:r>
+            <a:endParaRPr lang="ru-RU" sz="3200" dirty="0" smtClean="0"/>
+          </a:p>
+        </p:txBody>
+      </p:sp>
+      <p:sp>
+        <p:nvSpPr>
+          <p:cNvPr id="5" name="Прямоугольник 4"/>
+          <p:cNvSpPr/>
+          <p:nvPr/>
+        </p:nvSpPr>
+        <p:spPr>
+          <a:xfrm>
+            <a:off x="3047999" y="2012802"/>
+            <a:ext cx="6096000" cy="3046988"/>
+          </a:xfrm>
+          <a:prstGeom prst="rect">
+            <a:avLst/>
+          </a:prstGeom>
+        </p:spPr>
+        <p:txBody>
+          <a:bodyPr>
+            <a:spAutoFit/>
+          </a:bodyPr>
+          <a:lstStyle/>
+          <a:p>
+            <a:pPr marL="857250" indent="-857250">
               <a:buFont typeface="Arial" panose="020B0604020202020204" pitchFamily="34" charset="0"/>
               <a:buChar char="•"/>
             </a:pPr>
             <a:r>
-              <a:rPr lang="ru-RU" sz="3200" dirty="0" smtClean="0"/>
+              <a:rPr lang="ru-RU" sz="3200" dirty="0"/>
               <a:t>Добавление звуков</a:t>
             </a:r>
           </a:p>
           <a:p>
-            <a:pPr marL="857250" indent="-857250" algn="ctr">
+            <a:pPr marL="857250" indent="-857250">
               <a:buFont typeface="Arial" panose="020B0604020202020204" pitchFamily="34" charset="0"/>
               <a:buChar char="•"/>
             </a:pPr>
             <a:r>
-              <a:rPr lang="ru-RU" sz="3200" dirty="0" smtClean="0"/>
+              <a:rPr lang="ru-RU" sz="3200" dirty="0"/>
               <a:t>Возможность смены локации</a:t>
             </a:r>
           </a:p>
           <a:p>
-            <a:pPr marL="857250" indent="-857250" algn="ctr">
+            <a:pPr marL="857250" indent="-857250">
               <a:buFont typeface="Arial" panose="020B0604020202020204" pitchFamily="34" charset="0"/>
               <a:buChar char="•"/>
             </a:pPr>
             <a:r>
-              <a:rPr lang="ru-RU" sz="3200" dirty="0" smtClean="0"/>
-              <a:t>Добавление новых видов врагов</a:t>
-            </a:r>
-          </a:p>
-          <a:p>
-            <a:pPr marL="857250" indent="-857250" algn="ctr">
+              <a:rPr lang="ru-RU" sz="3200" dirty="0"/>
+              <a:t>Добавление новых видов врагов, башен и уровней.</a:t>
+            </a:r>
+          </a:p>
+          <a:p>
+            <a:pPr marL="857250" indent="-857250">
               <a:buFont typeface="Arial" panose="020B0604020202020204" pitchFamily="34" charset="0"/>
               <a:buChar char="•"/>
             </a:pPr>
             <a:r>
-              <a:rPr lang="ru-RU" sz="3200" dirty="0" smtClean="0"/>
+              <a:rPr lang="ru-RU" sz="3200" dirty="0"/>
               <a:t>Сделать настройки</a:t>
             </a:r>
           </a:p>
